--- a/ipsa/slides/dynamic_programming.pptx
+++ b/ipsa/slides/dynamic_programming.pptx
@@ -408,6 +408,90 @@
       </pc:sldChg>
     </pc:docChg>
   </pc:docChgLst>
+  <pc:docChgLst>
+    <pc:chgData name="Gerth Stølting Brodal" userId="04ef4784-6591-4f86-a140-f5c3b108582a" providerId="ADAL" clId="{83752B0F-B9FA-4319-9D65-0FA02808F4AB}"/>
+    <pc:docChg chg="custSel modSld">
+      <pc:chgData name="Gerth Stølting Brodal" userId="04ef4784-6591-4f86-a140-f5c3b108582a" providerId="ADAL" clId="{83752B0F-B9FA-4319-9D65-0FA02808F4AB}" dt="2023-03-22T12:37:22.499" v="244" actId="20577"/>
+      <pc:docMkLst>
+        <pc:docMk/>
+      </pc:docMkLst>
+      <pc:sldChg chg="modSp mod">
+        <pc:chgData name="Gerth Stølting Brodal" userId="04ef4784-6591-4f86-a140-f5c3b108582a" providerId="ADAL" clId="{83752B0F-B9FA-4319-9D65-0FA02808F4AB}" dt="2023-03-22T12:05:29.205" v="48" actId="1076"/>
+        <pc:sldMkLst>
+          <pc:docMk/>
+          <pc:sldMk cId="147360573" sldId="468"/>
+        </pc:sldMkLst>
+        <pc:spChg chg="mod">
+          <ac:chgData name="Gerth Stølting Brodal" userId="04ef4784-6591-4f86-a140-f5c3b108582a" providerId="ADAL" clId="{83752B0F-B9FA-4319-9D65-0FA02808F4AB}" dt="2023-03-22T12:05:29.205" v="48" actId="1076"/>
+          <ac:spMkLst>
+            <pc:docMk/>
+            <pc:sldMk cId="147360573" sldId="468"/>
+            <ac:spMk id="2" creationId="{00000000-0000-0000-0000-000000000000}"/>
+          </ac:spMkLst>
+        </pc:spChg>
+        <pc:spChg chg="mod">
+          <ac:chgData name="Gerth Stølting Brodal" userId="04ef4784-6591-4f86-a140-f5c3b108582a" providerId="ADAL" clId="{83752B0F-B9FA-4319-9D65-0FA02808F4AB}" dt="2023-03-22T12:05:25.161" v="47" actId="14100"/>
+          <ac:spMkLst>
+            <pc:docMk/>
+            <pc:sldMk cId="147360573" sldId="468"/>
+            <ac:spMk id="3" creationId="{00000000-0000-0000-0000-000000000000}"/>
+          </ac:spMkLst>
+        </pc:spChg>
+      </pc:sldChg>
+      <pc:sldChg chg="modSp mod modNotesTx">
+        <pc:chgData name="Gerth Stølting Brodal" userId="04ef4784-6591-4f86-a140-f5c3b108582a" providerId="ADAL" clId="{83752B0F-B9FA-4319-9D65-0FA02808F4AB}" dt="2023-03-22T12:37:05.239" v="239" actId="20577"/>
+        <pc:sldMkLst>
+          <pc:docMk/>
+          <pc:sldMk cId="2336252860" sldId="713"/>
+        </pc:sldMkLst>
+        <pc:spChg chg="mod">
+          <ac:chgData name="Gerth Stølting Brodal" userId="04ef4784-6591-4f86-a140-f5c3b108582a" providerId="ADAL" clId="{83752B0F-B9FA-4319-9D65-0FA02808F4AB}" dt="2023-03-22T12:37:05.239" v="239" actId="20577"/>
+          <ac:spMkLst>
+            <pc:docMk/>
+            <pc:sldMk cId="2336252860" sldId="713"/>
+            <ac:spMk id="3" creationId="{00000000-0000-0000-0000-000000000000}"/>
+          </ac:spMkLst>
+        </pc:spChg>
+      </pc:sldChg>
+      <pc:sldChg chg="modSp mod">
+        <pc:chgData name="Gerth Stølting Brodal" userId="04ef4784-6591-4f86-a140-f5c3b108582a" providerId="ADAL" clId="{83752B0F-B9FA-4319-9D65-0FA02808F4AB}" dt="2023-03-22T12:08:31.205" v="52" actId="1076"/>
+        <pc:sldMkLst>
+          <pc:docMk/>
+          <pc:sldMk cId="2565521373" sldId="761"/>
+        </pc:sldMkLst>
+        <pc:spChg chg="mod">
+          <ac:chgData name="Gerth Stølting Brodal" userId="04ef4784-6591-4f86-a140-f5c3b108582a" providerId="ADAL" clId="{83752B0F-B9FA-4319-9D65-0FA02808F4AB}" dt="2023-03-22T12:08:31.205" v="52" actId="1076"/>
+          <ac:spMkLst>
+            <pc:docMk/>
+            <pc:sldMk cId="2565521373" sldId="761"/>
+            <ac:spMk id="4" creationId="{00000000-0000-0000-0000-000000000000}"/>
+          </ac:spMkLst>
+        </pc:spChg>
+      </pc:sldChg>
+      <pc:sldChg chg="modNotesTx">
+        <pc:chgData name="Gerth Stølting Brodal" userId="04ef4784-6591-4f86-a140-f5c3b108582a" providerId="ADAL" clId="{83752B0F-B9FA-4319-9D65-0FA02808F4AB}" dt="2023-03-22T12:27:48.596" v="190" actId="20577"/>
+        <pc:sldMkLst>
+          <pc:docMk/>
+          <pc:sldMk cId="3142937555" sldId="771"/>
+        </pc:sldMkLst>
+      </pc:sldChg>
+      <pc:sldChg chg="modSp mod">
+        <pc:chgData name="Gerth Stølting Brodal" userId="04ef4784-6591-4f86-a140-f5c3b108582a" providerId="ADAL" clId="{83752B0F-B9FA-4319-9D65-0FA02808F4AB}" dt="2023-03-22T12:37:22.499" v="244" actId="20577"/>
+        <pc:sldMkLst>
+          <pc:docMk/>
+          <pc:sldMk cId="2489620528" sldId="773"/>
+        </pc:sldMkLst>
+        <pc:spChg chg="mod">
+          <ac:chgData name="Gerth Stølting Brodal" userId="04ef4784-6591-4f86-a140-f5c3b108582a" providerId="ADAL" clId="{83752B0F-B9FA-4319-9D65-0FA02808F4AB}" dt="2023-03-22T12:37:22.499" v="244" actId="20577"/>
+          <ac:spMkLst>
+            <pc:docMk/>
+            <pc:sldMk cId="2489620528" sldId="773"/>
+            <ac:spMk id="5" creationId="{00000000-0000-0000-0000-000000000000}"/>
+          </ac:spMkLst>
+        </pc:spChg>
+      </pc:sldChg>
+    </pc:docChg>
+  </pc:docChgLst>
 </pc:chgInfo>
 </file>
 
@@ -493,7 +577,7 @@
           <a:p>
             <a:fld id="{FB1A172F-81D4-4DC4-9113-1DBD56EC3646}" type="datetimeFigureOut">
               <a:rPr lang="en-US" smtClean="0"/>
-              <a:t>3/27/2022</a:t>
+              <a:t>3/22/2023</a:t>
             </a:fld>
             <a:endParaRPr lang="en-US"/>
           </a:p>
@@ -1467,25 +1551,9 @@
           <a:p>
             <a:r>
               <a:rPr lang="en-US" dirty="0"/>
-              <a:t>Essentially the </a:t>
-            </a:r>
-            <a:r>
-              <a:rPr lang="en-US" dirty="0" err="1"/>
-              <a:t>memoization</a:t>
-            </a:r>
-            <a:r>
-              <a:rPr lang="en-US" baseline="0" dirty="0"/>
-              <a:t> should keep track of all </a:t>
-            </a:r>
-            <a:r>
-              <a:rPr lang="en-US" b="1" baseline="0" dirty="0" err="1"/>
-              <a:t>subproblems</a:t>
-            </a:r>
-            <a:r>
-              <a:rPr lang="en-US" b="1" baseline="0" dirty="0"/>
-              <a:t> with no solution</a:t>
-            </a:r>
-            <a:endParaRPr lang="en-US" b="1" dirty="0"/>
+              <a:t>Exercise 13.4 asks you to return the subset equal to x, and to use an exception to stop the recursion</a:t>
+            </a:r>
+            <a:endParaRPr lang="da-DK" dirty="0"/>
           </a:p>
         </p:txBody>
       </p:sp>
@@ -1496,7 +1564,7 @@
             <a:spLocks noGrp="1"/>
           </p:cNvSpPr>
           <p:nvPr>
-            <p:ph type="sldNum" sz="quarter" idx="10"/>
+            <p:ph type="sldNum" sz="quarter" idx="5"/>
           </p:nvPr>
         </p:nvSpPr>
         <p:spPr/>
@@ -1506,7 +1574,7 @@
           <a:p>
             <a:fld id="{CD563DD8-32AB-41BE-B1C6-8EAC45222ACE}" type="slidenum">
               <a:rPr lang="en-US" smtClean="0"/>
-              <a:t>12</a:t>
+              <a:t>9</a:t>
             </a:fld>
             <a:endParaRPr lang="en-US"/>
           </a:p>
@@ -1515,7 +1583,7 @@
     </p:spTree>
     <p:extLst>
       <p:ext uri="{BB962C8B-B14F-4D97-AF65-F5344CB8AC3E}">
-        <p14:creationId xmlns:p14="http://schemas.microsoft.com/office/powerpoint/2010/main" val="2387255200"/>
+        <p14:creationId xmlns:p14="http://schemas.microsoft.com/office/powerpoint/2010/main" val="3466055033"/>
       </p:ext>
     </p:extLst>
   </p:cSld>
@@ -1570,76 +1638,16 @@
           <a:lstStyle/>
           <a:p>
             <a:r>
-              <a:rPr lang="da-DK" dirty="0"/>
-              <a:t>(4) </a:t>
-            </a:r>
-            <a:r>
-              <a:rPr lang="da-DK" dirty="0" err="1"/>
-              <a:t>Compute</a:t>
-            </a:r>
-            <a:r>
-              <a:rPr lang="da-DK" dirty="0"/>
-              <a:t> right-to-</a:t>
-            </a:r>
-            <a:r>
-              <a:rPr lang="da-DK" dirty="0" err="1"/>
-              <a:t>left</a:t>
-            </a:r>
-            <a:r>
-              <a:rPr lang="da-DK" dirty="0"/>
-              <a:t> </a:t>
-            </a:r>
-            <a:r>
-              <a:rPr lang="da-DK" dirty="0" err="1"/>
-              <a:t>since</a:t>
-            </a:r>
-            <a:r>
-              <a:rPr lang="da-DK" dirty="0"/>
-              <a:t> </a:t>
-            </a:r>
-            <a:r>
-              <a:rPr lang="da-DK" dirty="0" err="1"/>
-              <a:t>we</a:t>
-            </a:r>
-            <a:r>
-              <a:rPr lang="da-DK" dirty="0"/>
-              <a:t> </a:t>
-            </a:r>
-            <a:r>
-              <a:rPr lang="da-DK" dirty="0" err="1"/>
-              <a:t>are</a:t>
-            </a:r>
-            <a:r>
-              <a:rPr lang="da-DK" dirty="0"/>
-              <a:t> </a:t>
-            </a:r>
-            <a:r>
-              <a:rPr lang="da-DK" dirty="0" err="1"/>
-              <a:t>overwritting</a:t>
-            </a:r>
-            <a:r>
-              <a:rPr lang="da-DK" dirty="0"/>
-              <a:t> </a:t>
-            </a:r>
-            <a:r>
-              <a:rPr lang="da-DK" dirty="0" err="1"/>
-              <a:t>previous</a:t>
-            </a:r>
-            <a:r>
-              <a:rPr lang="da-DK" dirty="0"/>
-              <a:t> </a:t>
-            </a:r>
-            <a:r>
-              <a:rPr lang="da-DK" dirty="0" err="1"/>
-              <a:t>row</a:t>
-            </a:r>
-            <a:r>
-              <a:rPr lang="da-DK" dirty="0"/>
-              <a:t> with new </a:t>
-            </a:r>
-            <a:r>
-              <a:rPr lang="da-DK" dirty="0" err="1"/>
-              <a:t>values</a:t>
+              <a:rPr lang="en-US" dirty="0"/>
+              <a:t>Algorithm likely only useful when </a:t>
+            </a:r>
+            <a:r>
+              <a:rPr lang="en-US" dirty="0" err="1"/>
+              <a:t>len</a:t>
+            </a:r>
+            <a:r>
+              <a:rPr lang="en-US" dirty="0"/>
+              <a:t>(L)*sum(L) is small</a:t>
             </a:r>
             <a:endParaRPr lang="da-DK" dirty="0"/>
           </a:p>
@@ -1662,6 +1670,266 @@
           <a:p>
             <a:fld id="{CD563DD8-32AB-41BE-B1C6-8EAC45222ACE}" type="slidenum">
               <a:rPr lang="en-US" smtClean="0"/>
+              <a:t>11</a:t>
+            </a:fld>
+            <a:endParaRPr lang="en-US"/>
+          </a:p>
+        </p:txBody>
+      </p:sp>
+    </p:spTree>
+    <p:extLst>
+      <p:ext uri="{BB962C8B-B14F-4D97-AF65-F5344CB8AC3E}">
+        <p14:creationId xmlns:p14="http://schemas.microsoft.com/office/powerpoint/2010/main" val="1933966232"/>
+      </p:ext>
+    </p:extLst>
+  </p:cSld>
+  <p:clrMapOvr>
+    <a:masterClrMapping/>
+  </p:clrMapOvr>
+</p:notes>
+</file>
+
+<file path=ppt/notesSlides/notesSlide7.xml><?xml version="1.0" encoding="utf-8"?>
+<p:notes xmlns:a="http://schemas.openxmlformats.org/drawingml/2006/main" xmlns:r="http://schemas.openxmlformats.org/officeDocument/2006/relationships" xmlns:p="http://schemas.openxmlformats.org/presentationml/2006/main">
+  <p:cSld>
+    <p:spTree>
+      <p:nvGrpSpPr>
+        <p:cNvPr id="1" name=""/>
+        <p:cNvGrpSpPr/>
+        <p:nvPr/>
+      </p:nvGrpSpPr>
+      <p:grpSpPr>
+        <a:xfrm>
+          <a:off x="0" y="0"/>
+          <a:ext cx="0" cy="0"/>
+          <a:chOff x="0" y="0"/>
+          <a:chExt cx="0" cy="0"/>
+        </a:xfrm>
+      </p:grpSpPr>
+      <p:sp>
+        <p:nvSpPr>
+          <p:cNvPr id="2" name="Slide Image Placeholder 1"/>
+          <p:cNvSpPr>
+            <a:spLocks noGrp="1" noRot="1" noChangeAspect="1"/>
+          </p:cNvSpPr>
+          <p:nvPr>
+            <p:ph type="sldImg"/>
+          </p:nvPr>
+        </p:nvSpPr>
+        <p:spPr/>
+      </p:sp>
+      <p:sp>
+        <p:nvSpPr>
+          <p:cNvPr id="3" name="Notes Placeholder 2"/>
+          <p:cNvSpPr>
+            <a:spLocks noGrp="1"/>
+          </p:cNvSpPr>
+          <p:nvPr>
+            <p:ph type="body" idx="1"/>
+          </p:nvPr>
+        </p:nvSpPr>
+        <p:spPr/>
+        <p:txBody>
+          <a:bodyPr/>
+          <a:lstStyle/>
+          <a:p>
+            <a:r>
+              <a:rPr lang="en-US" dirty="0"/>
+              <a:t>Essentially the </a:t>
+            </a:r>
+            <a:r>
+              <a:rPr lang="en-US" dirty="0" err="1"/>
+              <a:t>memoization</a:t>
+            </a:r>
+            <a:r>
+              <a:rPr lang="en-US" baseline="0" dirty="0"/>
+              <a:t> should keep track of all </a:t>
+            </a:r>
+            <a:r>
+              <a:rPr lang="en-US" b="1" baseline="0" dirty="0" err="1"/>
+              <a:t>subproblems</a:t>
+            </a:r>
+            <a:r>
+              <a:rPr lang="en-US" b="1" baseline="0" dirty="0"/>
+              <a:t> with no solution</a:t>
+            </a:r>
+            <a:endParaRPr lang="en-US" b="1" dirty="0"/>
+          </a:p>
+        </p:txBody>
+      </p:sp>
+      <p:sp>
+        <p:nvSpPr>
+          <p:cNvPr id="4" name="Slide Number Placeholder 3"/>
+          <p:cNvSpPr>
+            <a:spLocks noGrp="1"/>
+          </p:cNvSpPr>
+          <p:nvPr>
+            <p:ph type="sldNum" sz="quarter" idx="10"/>
+          </p:nvPr>
+        </p:nvSpPr>
+        <p:spPr/>
+        <p:txBody>
+          <a:bodyPr/>
+          <a:lstStyle/>
+          <a:p>
+            <a:fld id="{CD563DD8-32AB-41BE-B1C6-8EAC45222ACE}" type="slidenum">
+              <a:rPr lang="en-US" smtClean="0"/>
+              <a:t>12</a:t>
+            </a:fld>
+            <a:endParaRPr lang="en-US"/>
+          </a:p>
+        </p:txBody>
+      </p:sp>
+    </p:spTree>
+    <p:extLst>
+      <p:ext uri="{BB962C8B-B14F-4D97-AF65-F5344CB8AC3E}">
+        <p14:creationId xmlns:p14="http://schemas.microsoft.com/office/powerpoint/2010/main" val="2387255200"/>
+      </p:ext>
+    </p:extLst>
+  </p:cSld>
+  <p:clrMapOvr>
+    <a:masterClrMapping/>
+  </p:clrMapOvr>
+</p:notes>
+</file>
+
+<file path=ppt/notesSlides/notesSlide8.xml><?xml version="1.0" encoding="utf-8"?>
+<p:notes xmlns:a="http://schemas.openxmlformats.org/drawingml/2006/main" xmlns:r="http://schemas.openxmlformats.org/officeDocument/2006/relationships" xmlns:p="http://schemas.openxmlformats.org/presentationml/2006/main">
+  <p:cSld>
+    <p:spTree>
+      <p:nvGrpSpPr>
+        <p:cNvPr id="1" name=""/>
+        <p:cNvGrpSpPr/>
+        <p:nvPr/>
+      </p:nvGrpSpPr>
+      <p:grpSpPr>
+        <a:xfrm>
+          <a:off x="0" y="0"/>
+          <a:ext cx="0" cy="0"/>
+          <a:chOff x="0" y="0"/>
+          <a:chExt cx="0" cy="0"/>
+        </a:xfrm>
+      </p:grpSpPr>
+      <p:sp>
+        <p:nvSpPr>
+          <p:cNvPr id="2" name="Slide Image Placeholder 1"/>
+          <p:cNvSpPr>
+            <a:spLocks noGrp="1" noRot="1" noChangeAspect="1"/>
+          </p:cNvSpPr>
+          <p:nvPr>
+            <p:ph type="sldImg"/>
+          </p:nvPr>
+        </p:nvSpPr>
+        <p:spPr/>
+      </p:sp>
+      <p:sp>
+        <p:nvSpPr>
+          <p:cNvPr id="3" name="Notes Placeholder 2"/>
+          <p:cNvSpPr>
+            <a:spLocks noGrp="1"/>
+          </p:cNvSpPr>
+          <p:nvPr>
+            <p:ph type="body" idx="1"/>
+          </p:nvPr>
+        </p:nvSpPr>
+        <p:spPr/>
+        <p:txBody>
+          <a:bodyPr/>
+          <a:lstStyle/>
+          <a:p>
+            <a:r>
+              <a:rPr lang="da-DK" dirty="0"/>
+              <a:t>(4) </a:t>
+            </a:r>
+            <a:r>
+              <a:rPr lang="da-DK" dirty="0" err="1"/>
+              <a:t>Compute</a:t>
+            </a:r>
+            <a:r>
+              <a:rPr lang="da-DK" dirty="0"/>
+              <a:t> right-to-</a:t>
+            </a:r>
+            <a:r>
+              <a:rPr lang="da-DK" dirty="0" err="1"/>
+              <a:t>left</a:t>
+            </a:r>
+            <a:r>
+              <a:rPr lang="da-DK" dirty="0"/>
+              <a:t> </a:t>
+            </a:r>
+            <a:r>
+              <a:rPr lang="da-DK" dirty="0" err="1"/>
+              <a:t>since</a:t>
+            </a:r>
+            <a:r>
+              <a:rPr lang="da-DK" dirty="0"/>
+              <a:t> </a:t>
+            </a:r>
+            <a:r>
+              <a:rPr lang="da-DK" dirty="0" err="1"/>
+              <a:t>we</a:t>
+            </a:r>
+            <a:r>
+              <a:rPr lang="da-DK" dirty="0"/>
+              <a:t> </a:t>
+            </a:r>
+            <a:r>
+              <a:rPr lang="da-DK" dirty="0" err="1"/>
+              <a:t>are</a:t>
+            </a:r>
+            <a:r>
+              <a:rPr lang="da-DK" dirty="0"/>
+              <a:t> </a:t>
+            </a:r>
+            <a:r>
+              <a:rPr lang="da-DK" dirty="0" err="1"/>
+              <a:t>overwritting</a:t>
+            </a:r>
+            <a:r>
+              <a:rPr lang="da-DK" dirty="0"/>
+              <a:t> </a:t>
+            </a:r>
+            <a:r>
+              <a:rPr lang="da-DK" dirty="0" err="1"/>
+              <a:t>previous</a:t>
+            </a:r>
+            <a:r>
+              <a:rPr lang="da-DK" dirty="0"/>
+              <a:t> </a:t>
+            </a:r>
+            <a:r>
+              <a:rPr lang="da-DK" dirty="0" err="1"/>
+              <a:t>row</a:t>
+            </a:r>
+            <a:r>
+              <a:rPr lang="da-DK" dirty="0"/>
+              <a:t> with new </a:t>
+            </a:r>
+            <a:r>
+              <a:rPr lang="da-DK" dirty="0" err="1"/>
+              <a:t>values</a:t>
+            </a:r>
+            <a:endParaRPr lang="da-DK" dirty="0"/>
+          </a:p>
+        </p:txBody>
+      </p:sp>
+      <p:sp>
+        <p:nvSpPr>
+          <p:cNvPr id="4" name="Slide Number Placeholder 3"/>
+          <p:cNvSpPr>
+            <a:spLocks noGrp="1"/>
+          </p:cNvSpPr>
+          <p:nvPr>
+            <p:ph type="sldNum" sz="quarter" idx="5"/>
+          </p:nvPr>
+        </p:nvSpPr>
+        <p:spPr/>
+        <p:txBody>
+          <a:bodyPr/>
+          <a:lstStyle/>
+          <a:p>
+            <a:fld id="{CD563DD8-32AB-41BE-B1C6-8EAC45222ACE}" type="slidenum">
+              <a:rPr lang="en-US" smtClean="0"/>
               <a:t>17</a:t>
             </a:fld>
             <a:endParaRPr lang="en-US"/>
@@ -1681,7 +1949,7 @@
 </p:notes>
 </file>
 
-<file path=ppt/notesSlides/notesSlide7.xml><?xml version="1.0" encoding="utf-8"?>
+<file path=ppt/notesSlides/notesSlide9.xml><?xml version="1.0" encoding="utf-8"?>
 <p:notes xmlns:a="http://schemas.openxmlformats.org/drawingml/2006/main" xmlns:r="http://schemas.openxmlformats.org/officeDocument/2006/relationships" xmlns:p="http://schemas.openxmlformats.org/presentationml/2006/main">
   <p:cSld>
     <p:spTree>
@@ -1902,7 +2170,7 @@
           <a:p>
             <a:fld id="{0560A9CD-0304-4E0B-9E82-E7E0115DE05B}" type="datetimeFigureOut">
               <a:rPr lang="en-US" smtClean="0"/>
-              <a:t>3/27/2022</a:t>
+              <a:t>3/22/2023</a:t>
             </a:fld>
             <a:endParaRPr lang="en-US"/>
           </a:p>
@@ -2070,7 +2338,7 @@
           <a:p>
             <a:fld id="{0560A9CD-0304-4E0B-9E82-E7E0115DE05B}" type="datetimeFigureOut">
               <a:rPr lang="en-US" smtClean="0"/>
-              <a:t>3/27/2022</a:t>
+              <a:t>3/22/2023</a:t>
             </a:fld>
             <a:endParaRPr lang="en-US"/>
           </a:p>
@@ -2248,7 +2516,7 @@
           <a:p>
             <a:fld id="{0560A9CD-0304-4E0B-9E82-E7E0115DE05B}" type="datetimeFigureOut">
               <a:rPr lang="en-US" smtClean="0"/>
-              <a:t>3/27/2022</a:t>
+              <a:t>3/22/2023</a:t>
             </a:fld>
             <a:endParaRPr lang="en-US"/>
           </a:p>
@@ -2431,7 +2699,7 @@
           <a:p>
             <a:fld id="{0560A9CD-0304-4E0B-9E82-E7E0115DE05B}" type="datetimeFigureOut">
               <a:rPr lang="en-US" smtClean="0"/>
-              <a:t>3/27/2022</a:t>
+              <a:t>3/22/2023</a:t>
             </a:fld>
             <a:endParaRPr lang="en-US"/>
           </a:p>
@@ -2676,7 +2944,7 @@
           <a:p>
             <a:fld id="{0560A9CD-0304-4E0B-9E82-E7E0115DE05B}" type="datetimeFigureOut">
               <a:rPr lang="en-US" smtClean="0"/>
-              <a:t>3/27/2022</a:t>
+              <a:t>3/22/2023</a:t>
             </a:fld>
             <a:endParaRPr lang="en-US"/>
           </a:p>
@@ -2905,7 +3173,7 @@
           <a:p>
             <a:fld id="{0560A9CD-0304-4E0B-9E82-E7E0115DE05B}" type="datetimeFigureOut">
               <a:rPr lang="en-US" smtClean="0"/>
-              <a:t>3/27/2022</a:t>
+              <a:t>3/22/2023</a:t>
             </a:fld>
             <a:endParaRPr lang="en-US"/>
           </a:p>
@@ -3269,7 +3537,7 @@
           <a:p>
             <a:fld id="{0560A9CD-0304-4E0B-9E82-E7E0115DE05B}" type="datetimeFigureOut">
               <a:rPr lang="en-US" smtClean="0"/>
-              <a:t>3/27/2022</a:t>
+              <a:t>3/22/2023</a:t>
             </a:fld>
             <a:endParaRPr lang="en-US"/>
           </a:p>
@@ -3386,7 +3654,7 @@
           <a:p>
             <a:fld id="{0560A9CD-0304-4E0B-9E82-E7E0115DE05B}" type="datetimeFigureOut">
               <a:rPr lang="en-US" smtClean="0"/>
-              <a:t>3/27/2022</a:t>
+              <a:t>3/22/2023</a:t>
             </a:fld>
             <a:endParaRPr lang="en-US"/>
           </a:p>
@@ -3481,7 +3749,7 @@
           <a:p>
             <a:fld id="{0560A9CD-0304-4E0B-9E82-E7E0115DE05B}" type="datetimeFigureOut">
               <a:rPr lang="en-US" smtClean="0"/>
-              <a:t>3/27/2022</a:t>
+              <a:t>3/22/2023</a:t>
             </a:fld>
             <a:endParaRPr lang="en-US"/>
           </a:p>
@@ -3756,7 +4024,7 @@
           <a:p>
             <a:fld id="{0560A9CD-0304-4E0B-9E82-E7E0115DE05B}" type="datetimeFigureOut">
               <a:rPr lang="en-US" smtClean="0"/>
-              <a:t>3/27/2022</a:t>
+              <a:t>3/22/2023</a:t>
             </a:fld>
             <a:endParaRPr lang="en-US"/>
           </a:p>
@@ -4008,7 +4276,7 @@
           <a:p>
             <a:fld id="{0560A9CD-0304-4E0B-9E82-E7E0115DE05B}" type="datetimeFigureOut">
               <a:rPr lang="en-US" smtClean="0"/>
-              <a:t>3/27/2022</a:t>
+              <a:t>3/22/2023</a:t>
             </a:fld>
             <a:endParaRPr lang="en-US"/>
           </a:p>
@@ -4219,7 +4487,7 @@
           <a:p>
             <a:fld id="{0560A9CD-0304-4E0B-9E82-E7E0115DE05B}" type="datetimeFigureOut">
               <a:rPr lang="en-US" smtClean="0"/>
-              <a:t>3/27/2022</a:t>
+              <a:t>3/22/2023</a:t>
             </a:fld>
             <a:endParaRPr lang="en-US"/>
           </a:p>
@@ -4636,8 +4904,8 @@
         </p:nvSpPr>
         <p:spPr>
           <a:xfrm>
-            <a:off x="408632" y="2920558"/>
-            <a:ext cx="11084030" cy="1325563"/>
+            <a:off x="5306647" y="2873665"/>
+            <a:ext cx="5263802" cy="1325563"/>
           </a:xfrm>
         </p:spPr>
         <p:txBody>
@@ -4669,8 +4937,8 @@
         </p:nvSpPr>
         <p:spPr>
           <a:xfrm>
-            <a:off x="6340460" y="3920647"/>
-            <a:ext cx="5851540" cy="2937353"/>
+            <a:off x="5556739" y="3920647"/>
+            <a:ext cx="6635262" cy="2937353"/>
           </a:xfrm>
         </p:spPr>
         <p:txBody>
@@ -4697,6 +4965,14 @@
             <a:r>
               <a:rPr lang="da-DK" dirty="0" err="1"/>
               <a:t>memoized</a:t>
+            </a:r>
+            <a:r>
+              <a:rPr lang="da-DK" dirty="0"/>
+              <a:t> / </a:t>
+            </a:r>
+            <a:r>
+              <a:rPr lang="da-DK" dirty="0" err="1"/>
+              <a:t>functools.cache</a:t>
             </a:r>
             <a:endParaRPr lang="da-DK" dirty="0"/>
           </a:p>
@@ -8713,10 +8989,7 @@
               </a:rPr>
               <a:t>value</a:t>
             </a:r>
-            <a:r>
-              <a:rPr lang="da-DK" dirty="0"/>
-              <a:t>. </a:t>
-            </a:r>
+            <a:endParaRPr lang="da-DK" dirty="0"/>
           </a:p>
           <a:p>
             <a:r>
@@ -8790,10 +9063,7 @@
               <a:rPr lang="da-DK" dirty="0" err="1"/>
               <a:t>value</a:t>
             </a:r>
-            <a:r>
-              <a:rPr lang="da-DK" dirty="0"/>
-              <a:t>.</a:t>
-            </a:r>
+            <a:endParaRPr lang="da-DK" dirty="0"/>
           </a:p>
           <a:p>
             <a:r>
@@ -8880,10 +9150,7 @@
               <a:rPr lang="da-DK" dirty="0" err="1"/>
               <a:t>object</a:t>
             </a:r>
-            <a:r>
-              <a:rPr lang="da-DK" dirty="0"/>
-              <a:t>.</a:t>
-            </a:r>
+            <a:endParaRPr lang="da-DK" dirty="0"/>
           </a:p>
           <a:p>
             <a:r>
@@ -9031,16 +9298,12 @@
               <a:t>capacity</a:t>
             </a:r>
             <a:r>
-              <a:rPr lang="da-DK" dirty="0">
+              <a:rPr lang="da-DK">
                 <a:solidFill>
                   <a:srgbClr val="C00000"/>
                 </a:solidFill>
               </a:rPr>
               <a:t> c</a:t>
-            </a:r>
-            <a:r>
-              <a:rPr lang="da-DK" dirty="0"/>
-              <a:t>.</a:t>
             </a:r>
             <a:endParaRPr lang="en-US" dirty="0"/>
           </a:p>
@@ -21917,13 +22180,13 @@
         </p:nvSpPr>
         <p:spPr>
           <a:xfrm>
-            <a:off x="1573968" y="5396459"/>
-            <a:ext cx="8949128" cy="1140268"/>
+            <a:off x="144584" y="5717732"/>
+            <a:ext cx="11902831" cy="1140268"/>
           </a:xfrm>
         </p:spPr>
         <p:txBody>
           <a:bodyPr>
-            <a:normAutofit fontScale="92500" lnSpcReduction="20000"/>
+            <a:normAutofit fontScale="92500"/>
           </a:bodyPr>
           <a:lstStyle/>
           <a:p>
@@ -29823,19 +30086,7 @@
             </a:r>
             <a:r>
               <a:rPr lang="da-DK" sz="2400" dirty="0" err="1"/>
-              <a:t>following</a:t>
-            </a:r>
-            <a:r>
-              <a:rPr lang="da-DK" sz="2400" dirty="0"/>
-              <a:t> </a:t>
-            </a:r>
-            <a:r>
-              <a:rPr lang="da-DK" sz="2400" dirty="0" err="1"/>
               <a:t>recurrence</a:t>
-            </a:r>
-            <a:r>
-              <a:rPr lang="da-DK" sz="2400" dirty="0"/>
-              <a:t>:</a:t>
             </a:r>
             <a:endParaRPr lang="en-US" sz="2400" dirty="0">
               <a:latin typeface="Courier New" panose="02070309020205020404" pitchFamily="49" charset="0"/>
@@ -30484,7 +30735,7 @@
                 <a:avLst/>
               </a:prstGeom>
               <a:blipFill>
-                <a:blip r:embed="rId2"/>
+                <a:blip r:embed="rId3"/>
                 <a:stretch>
                   <a:fillRect/>
                 </a:stretch>

--- a/ipsa/slides/dynamic_programming.pptx
+++ b/ipsa/slides/dynamic_programming.pptx
@@ -133,6 +133,14 @@
     </p:ext>
   </p:extLst>
 </p:presentation>
+</file>
+
+<file path=ppt/revisionInfo.xml><?xml version="1.0" encoding="utf-8"?>
+<p1510:revInfo xmlns:a="http://schemas.openxmlformats.org/drawingml/2006/main" xmlns:r="http://schemas.openxmlformats.org/officeDocument/2006/relationships" xmlns:p1510="http://schemas.microsoft.com/office/powerpoint/2015/10/main">
+  <p1510:revLst>
+    <p1510:client id="{EEFC9CB5-B621-4538-9B6B-9E706B2CA24E}" v="1" dt="2024-03-19T18:48:15.392"/>
+  </p1510:revLst>
+</p1510:revInfo>
 </file>
 
 <file path=ppt/changesInfos/changesInfo1.xml><?xml version="1.0" encoding="utf-8"?>
@@ -409,6 +417,44 @@
     </pc:docChg>
   </pc:docChgLst>
   <pc:docChgLst>
+    <pc:chgData name="Gerth Stølting Brodal" userId="04ef4784-6591-4f86-a140-f5c3b108582a" providerId="ADAL" clId="{EEFC9CB5-B621-4538-9B6B-9E706B2CA24E}"/>
+    <pc:docChg chg="modSld">
+      <pc:chgData name="Gerth Stølting Brodal" userId="04ef4784-6591-4f86-a140-f5c3b108582a" providerId="ADAL" clId="{EEFC9CB5-B621-4538-9B6B-9E706B2CA24E}" dt="2024-03-19T18:48:15.392" v="1" actId="20577"/>
+      <pc:docMkLst>
+        <pc:docMk/>
+      </pc:docMkLst>
+      <pc:sldChg chg="mod modShow">
+        <pc:chgData name="Gerth Stølting Brodal" userId="04ef4784-6591-4f86-a140-f5c3b108582a" providerId="ADAL" clId="{EEFC9CB5-B621-4538-9B6B-9E706B2CA24E}" dt="2024-03-19T18:25:37.158" v="0" actId="729"/>
+        <pc:sldMkLst>
+          <pc:docMk/>
+          <pc:sldMk cId="1347015518" sldId="762"/>
+        </pc:sldMkLst>
+      </pc:sldChg>
+      <pc:sldChg chg="mod modShow">
+        <pc:chgData name="Gerth Stølting Brodal" userId="04ef4784-6591-4f86-a140-f5c3b108582a" providerId="ADAL" clId="{EEFC9CB5-B621-4538-9B6B-9E706B2CA24E}" dt="2024-03-19T18:25:37.158" v="0" actId="729"/>
+        <pc:sldMkLst>
+          <pc:docMk/>
+          <pc:sldMk cId="1052038409" sldId="763"/>
+        </pc:sldMkLst>
+      </pc:sldChg>
+      <pc:sldChg chg="modSp modAnim">
+        <pc:chgData name="Gerth Stølting Brodal" userId="04ef4784-6591-4f86-a140-f5c3b108582a" providerId="ADAL" clId="{EEFC9CB5-B621-4538-9B6B-9E706B2CA24E}" dt="2024-03-19T18:48:15.392" v="1" actId="20577"/>
+        <pc:sldMkLst>
+          <pc:docMk/>
+          <pc:sldMk cId="2179044661" sldId="779"/>
+        </pc:sldMkLst>
+        <pc:spChg chg="mod">
+          <ac:chgData name="Gerth Stølting Brodal" userId="04ef4784-6591-4f86-a140-f5c3b108582a" providerId="ADAL" clId="{EEFC9CB5-B621-4538-9B6B-9E706B2CA24E}" dt="2024-03-19T18:48:15.392" v="1" actId="20577"/>
+          <ac:spMkLst>
+            <pc:docMk/>
+            <pc:sldMk cId="2179044661" sldId="779"/>
+            <ac:spMk id="3" creationId="{00000000-0000-0000-0000-000000000000}"/>
+          </ac:spMkLst>
+        </pc:spChg>
+      </pc:sldChg>
+    </pc:docChg>
+  </pc:docChgLst>
+  <pc:docChgLst>
     <pc:chgData name="Gerth Stølting Brodal" userId="04ef4784-6591-4f86-a140-f5c3b108582a" providerId="ADAL" clId="{83752B0F-B9FA-4319-9D65-0FA02808F4AB}"/>
     <pc:docChg chg="custSel modSld">
       <pc:chgData name="Gerth Stølting Brodal" userId="04ef4784-6591-4f86-a140-f5c3b108582a" providerId="ADAL" clId="{83752B0F-B9FA-4319-9D65-0FA02808F4AB}" dt="2023-03-22T12:37:22.499" v="244" actId="20577"/>
@@ -577,7 +623,7 @@
           <a:p>
             <a:fld id="{FB1A172F-81D4-4DC4-9113-1DBD56EC3646}" type="datetimeFigureOut">
               <a:rPr lang="en-US" smtClean="0"/>
-              <a:t>3/22/2023</a:t>
+              <a:t>3/19/2024</a:t>
             </a:fld>
             <a:endParaRPr lang="en-US"/>
           </a:p>
@@ -2170,7 +2216,7 @@
           <a:p>
             <a:fld id="{0560A9CD-0304-4E0B-9E82-E7E0115DE05B}" type="datetimeFigureOut">
               <a:rPr lang="en-US" smtClean="0"/>
-              <a:t>3/22/2023</a:t>
+              <a:t>3/19/2024</a:t>
             </a:fld>
             <a:endParaRPr lang="en-US"/>
           </a:p>
@@ -2338,7 +2384,7 @@
           <a:p>
             <a:fld id="{0560A9CD-0304-4E0B-9E82-E7E0115DE05B}" type="datetimeFigureOut">
               <a:rPr lang="en-US" smtClean="0"/>
-              <a:t>3/22/2023</a:t>
+              <a:t>3/19/2024</a:t>
             </a:fld>
             <a:endParaRPr lang="en-US"/>
           </a:p>
@@ -2516,7 +2562,7 @@
           <a:p>
             <a:fld id="{0560A9CD-0304-4E0B-9E82-E7E0115DE05B}" type="datetimeFigureOut">
               <a:rPr lang="en-US" smtClean="0"/>
-              <a:t>3/22/2023</a:t>
+              <a:t>3/19/2024</a:t>
             </a:fld>
             <a:endParaRPr lang="en-US"/>
           </a:p>
@@ -2699,7 +2745,7 @@
           <a:p>
             <a:fld id="{0560A9CD-0304-4E0B-9E82-E7E0115DE05B}" type="datetimeFigureOut">
               <a:rPr lang="en-US" smtClean="0"/>
-              <a:t>3/22/2023</a:t>
+              <a:t>3/19/2024</a:t>
             </a:fld>
             <a:endParaRPr lang="en-US"/>
           </a:p>
@@ -2944,7 +2990,7 @@
           <a:p>
             <a:fld id="{0560A9CD-0304-4E0B-9E82-E7E0115DE05B}" type="datetimeFigureOut">
               <a:rPr lang="en-US" smtClean="0"/>
-              <a:t>3/22/2023</a:t>
+              <a:t>3/19/2024</a:t>
             </a:fld>
             <a:endParaRPr lang="en-US"/>
           </a:p>
@@ -3173,7 +3219,7 @@
           <a:p>
             <a:fld id="{0560A9CD-0304-4E0B-9E82-E7E0115DE05B}" type="datetimeFigureOut">
               <a:rPr lang="en-US" smtClean="0"/>
-              <a:t>3/22/2023</a:t>
+              <a:t>3/19/2024</a:t>
             </a:fld>
             <a:endParaRPr lang="en-US"/>
           </a:p>
@@ -3537,7 +3583,7 @@
           <a:p>
             <a:fld id="{0560A9CD-0304-4E0B-9E82-E7E0115DE05B}" type="datetimeFigureOut">
               <a:rPr lang="en-US" smtClean="0"/>
-              <a:t>3/22/2023</a:t>
+              <a:t>3/19/2024</a:t>
             </a:fld>
             <a:endParaRPr lang="en-US"/>
           </a:p>
@@ -3654,7 +3700,7 @@
           <a:p>
             <a:fld id="{0560A9CD-0304-4E0B-9E82-E7E0115DE05B}" type="datetimeFigureOut">
               <a:rPr lang="en-US" smtClean="0"/>
-              <a:t>3/22/2023</a:t>
+              <a:t>3/19/2024</a:t>
             </a:fld>
             <a:endParaRPr lang="en-US"/>
           </a:p>
@@ -3749,7 +3795,7 @@
           <a:p>
             <a:fld id="{0560A9CD-0304-4E0B-9E82-E7E0115DE05B}" type="datetimeFigureOut">
               <a:rPr lang="en-US" smtClean="0"/>
-              <a:t>3/22/2023</a:t>
+              <a:t>3/19/2024</a:t>
             </a:fld>
             <a:endParaRPr lang="en-US"/>
           </a:p>
@@ -4024,7 +4070,7 @@
           <a:p>
             <a:fld id="{0560A9CD-0304-4E0B-9E82-E7E0115DE05B}" type="datetimeFigureOut">
               <a:rPr lang="en-US" smtClean="0"/>
-              <a:t>3/22/2023</a:t>
+              <a:t>3/19/2024</a:t>
             </a:fld>
             <a:endParaRPr lang="en-US"/>
           </a:p>
@@ -4276,7 +4322,7 @@
           <a:p>
             <a:fld id="{0560A9CD-0304-4E0B-9E82-E7E0115DE05B}" type="datetimeFigureOut">
               <a:rPr lang="en-US" smtClean="0"/>
-              <a:t>3/22/2023</a:t>
+              <a:t>3/19/2024</a:t>
             </a:fld>
             <a:endParaRPr lang="en-US"/>
           </a:p>
@@ -4487,7 +4533,7 @@
           <a:p>
             <a:fld id="{0560A9CD-0304-4E0B-9E82-E7E0115DE05B}" type="datetimeFigureOut">
               <a:rPr lang="en-US" smtClean="0"/>
-              <a:t>3/22/2023</a:t>
+              <a:t>3/19/2024</a:t>
             </a:fld>
             <a:endParaRPr lang="en-US"/>
           </a:p>
@@ -16330,10 +16376,10 @@
           </a:p>
           <a:p>
             <a:r>
-              <a:rPr lang="en-US" dirty="0">
+              <a:rPr lang="en-US" dirty="0" err="1">
                 <a:hlinkClick r:id="rId4"/>
               </a:rPr>
-              <a:t>Google Code Jam</a:t>
+              <a:t>CodeForces</a:t>
             </a:r>
             <a:endParaRPr lang="en-US" dirty="0"/>
           </a:p>
@@ -16341,15 +16387,6 @@
             <a:r>
               <a:rPr lang="en-US" dirty="0" err="1">
                 <a:hlinkClick r:id="rId5"/>
-              </a:rPr>
-              <a:t>CodeForces</a:t>
-            </a:r>
-            <a:endParaRPr lang="en-US" dirty="0"/>
-          </a:p>
-          <a:p>
-            <a:r>
-              <a:rPr lang="en-US" dirty="0" err="1">
-                <a:hlinkClick r:id="rId6"/>
               </a:rPr>
               <a:t>Topcoder</a:t>
             </a:r>
@@ -16387,19 +16424,19 @@
             </a:r>
             <a:r>
               <a:rPr lang="en-US" dirty="0">
-                <a:hlinkClick r:id="rId7"/>
+                <a:hlinkClick r:id="rId6"/>
               </a:rPr>
               <a:t>cs.au.dk/~</a:t>
             </a:r>
             <a:r>
               <a:rPr lang="en-US" dirty="0" err="1">
-                <a:hlinkClick r:id="rId7"/>
+                <a:hlinkClick r:id="rId6"/>
               </a:rPr>
               <a:t>gerth</a:t>
             </a:r>
             <a:r>
               <a:rPr lang="en-US" dirty="0">
-                <a:hlinkClick r:id="rId7"/>
+                <a:hlinkClick r:id="rId6"/>
               </a:rPr>
               <a:t>/code/</a:t>
             </a:r>
@@ -16644,49 +16681,6 @@
                                           <p:spTgt spid="3">
                                             <p:txEl>
                                               <p:pRg st="5" end="5"/>
-                                            </p:txEl>
-                                          </p:spTgt>
-                                        </p:tgtEl>
-                                      </p:cBhvr>
-                                    </p:animEffect>
-                                  </p:childTnLst>
-                                </p:cTn>
-                              </p:par>
-                              <p:par>
-                                <p:cTn id="20" presetID="10" presetClass="entr" presetSubtype="0" fill="hold" grpId="0" nodeType="withEffect">
-                                  <p:stCondLst>
-                                    <p:cond delay="0"/>
-                                  </p:stCondLst>
-                                  <p:childTnLst>
-                                    <p:set>
-                                      <p:cBhvr>
-                                        <p:cTn id="21" dur="1" fill="hold">
-                                          <p:stCondLst>
-                                            <p:cond delay="0"/>
-                                          </p:stCondLst>
-                                        </p:cTn>
-                                        <p:tgtEl>
-                                          <p:spTgt spid="3">
-                                            <p:txEl>
-                                              <p:pRg st="6" end="6"/>
-                                            </p:txEl>
-                                          </p:spTgt>
-                                        </p:tgtEl>
-                                        <p:attrNameLst>
-                                          <p:attrName>style.visibility</p:attrName>
-                                        </p:attrNameLst>
-                                      </p:cBhvr>
-                                      <p:to>
-                                        <p:strVal val="visible"/>
-                                      </p:to>
-                                    </p:set>
-                                    <p:animEffect transition="in" filter="fade">
-                                      <p:cBhvr>
-                                        <p:cTn id="22" dur="500"/>
-                                        <p:tgtEl>
-                                          <p:spTgt spid="3">
-                                            <p:txEl>
-                                              <p:pRg st="6" end="6"/>
                                             </p:txEl>
                                           </p:spTgt>
                                         </p:tgtEl>
@@ -19408,7 +19402,7 @@
 </file>
 
 <file path=ppt/slides/slide20.xml><?xml version="1.0" encoding="utf-8"?>
-<p:sld xmlns:a="http://schemas.openxmlformats.org/drawingml/2006/main" xmlns:r="http://schemas.openxmlformats.org/officeDocument/2006/relationships" xmlns:p="http://schemas.openxmlformats.org/presentationml/2006/main">
+<p:sld xmlns:a="http://schemas.openxmlformats.org/drawingml/2006/main" xmlns:r="http://schemas.openxmlformats.org/officeDocument/2006/relationships" xmlns:p="http://schemas.openxmlformats.org/presentationml/2006/main" show="0">
   <p:cSld>
     <p:spTree>
       <p:nvGrpSpPr>
@@ -19818,7 +19812,7 @@
 </file>
 
 <file path=ppt/slides/slide21.xml><?xml version="1.0" encoding="utf-8"?>
-<p:sld xmlns:a="http://schemas.openxmlformats.org/drawingml/2006/main" xmlns:r="http://schemas.openxmlformats.org/officeDocument/2006/relationships" xmlns:p="http://schemas.openxmlformats.org/presentationml/2006/main">
+<p:sld xmlns:a="http://schemas.openxmlformats.org/drawingml/2006/main" xmlns:r="http://schemas.openxmlformats.org/officeDocument/2006/relationships" xmlns:p="http://schemas.openxmlformats.org/presentationml/2006/main" show="0">
   <p:cSld>
     <p:spTree>
       <p:nvGrpSpPr>
@@ -21637,11 +21631,11 @@
   <p:clrMapOvr>
     <a:masterClrMapping/>
   </p:clrMapOvr>
-  <mc:AlternateContent xmlns:mc="http://schemas.openxmlformats.org/markup-compatibility/2006" xmlns:p14="http://schemas.microsoft.com/office/powerpoint/2010/main">
-    <mc:Choice Requires="p14">
+  <mc:AlternateContent xmlns:mc="http://schemas.openxmlformats.org/markup-compatibility/2006">
+    <mc:Choice xmlns:p14="http://schemas.microsoft.com/office/powerpoint/2010/main" Requires="p14">
       <p:transition p14:dur="10"/>
     </mc:Choice>
-    <mc:Fallback xmlns="">
+    <mc:Fallback>
       <p:transition/>
     </mc:Fallback>
   </mc:AlternateContent>

--- a/ipsa/slides/dynamic_programming.pptx
+++ b/ipsa/slides/dynamic_programming.pptx
@@ -138,7 +138,7 @@
 <file path=ppt/revisionInfo.xml><?xml version="1.0" encoding="utf-8"?>
 <p1510:revInfo xmlns:a="http://schemas.openxmlformats.org/drawingml/2006/main" xmlns:r="http://schemas.openxmlformats.org/officeDocument/2006/relationships" xmlns:p1510="http://schemas.microsoft.com/office/powerpoint/2015/10/main">
   <p1510:revLst>
-    <p1510:client id="{EEFC9CB5-B621-4538-9B6B-9E706B2CA24E}" v="1" dt="2024-03-19T18:48:15.392"/>
+    <p1510:client id="{231CD4DA-6602-4AAE-A1EC-6809FECBDBA5}" v="11" dt="2024-11-28T00:06:15.882"/>
   </p1510:revLst>
 </p1510:revInfo>
 </file>
@@ -538,6 +538,46 @@
       </pc:sldChg>
     </pc:docChg>
   </pc:docChgLst>
+  <pc:docChgLst>
+    <pc:chgData name="Gerth Stølting Brodal" userId="04ef4784-6591-4f86-a140-f5c3b108582a" providerId="ADAL" clId="{231CD4DA-6602-4AAE-A1EC-6809FECBDBA5}"/>
+    <pc:docChg chg="undo custSel modSld">
+      <pc:chgData name="Gerth Stølting Brodal" userId="04ef4784-6591-4f86-a140-f5c3b108582a" providerId="ADAL" clId="{231CD4DA-6602-4AAE-A1EC-6809FECBDBA5}" dt="2024-11-28T00:10:08.200" v="304" actId="20577"/>
+      <pc:docMkLst>
+        <pc:docMk/>
+      </pc:docMkLst>
+      <pc:sldChg chg="addSp modSp mod modAnim modNotesTx">
+        <pc:chgData name="Gerth Stølting Brodal" userId="04ef4784-6591-4f86-a140-f5c3b108582a" providerId="ADAL" clId="{231CD4DA-6602-4AAE-A1EC-6809FECBDBA5}" dt="2024-11-28T00:10:08.200" v="304" actId="20577"/>
+        <pc:sldMkLst>
+          <pc:docMk/>
+          <pc:sldMk cId="1651261074" sldId="768"/>
+        </pc:sldMkLst>
+        <pc:spChg chg="mod">
+          <ac:chgData name="Gerth Stølting Brodal" userId="04ef4784-6591-4f86-a140-f5c3b108582a" providerId="ADAL" clId="{231CD4DA-6602-4AAE-A1EC-6809FECBDBA5}" dt="2024-11-28T00:07:10.748" v="201" actId="1038"/>
+          <ac:spMkLst>
+            <pc:docMk/>
+            <pc:sldMk cId="1651261074" sldId="768"/>
+            <ac:spMk id="3" creationId="{00000000-0000-0000-0000-000000000000}"/>
+          </ac:spMkLst>
+        </pc:spChg>
+        <pc:spChg chg="mod">
+          <ac:chgData name="Gerth Stølting Brodal" userId="04ef4784-6591-4f86-a140-f5c3b108582a" providerId="ADAL" clId="{231CD4DA-6602-4AAE-A1EC-6809FECBDBA5}" dt="2024-11-28T00:06:01.711" v="161" actId="121"/>
+          <ac:spMkLst>
+            <pc:docMk/>
+            <pc:sldMk cId="1651261074" sldId="768"/>
+            <ac:spMk id="4" creationId="{00000000-0000-0000-0000-000000000000}"/>
+          </ac:spMkLst>
+        </pc:spChg>
+        <pc:picChg chg="add mod">
+          <ac:chgData name="Gerth Stølting Brodal" userId="04ef4784-6591-4f86-a140-f5c3b108582a" providerId="ADAL" clId="{231CD4DA-6602-4AAE-A1EC-6809FECBDBA5}" dt="2024-11-28T00:07:10.748" v="201" actId="1038"/>
+          <ac:picMkLst>
+            <pc:docMk/>
+            <pc:sldMk cId="1651261074" sldId="768"/>
+            <ac:picMk id="6" creationId="{3E906D07-6105-2BBB-7212-A41BC8F2DD55}"/>
+          </ac:picMkLst>
+        </pc:picChg>
+      </pc:sldChg>
+    </pc:docChg>
+  </pc:docChgLst>
 </pc:chgInfo>
 </file>
 
@@ -623,7 +663,7 @@
           <a:p>
             <a:fld id="{FB1A172F-81D4-4DC4-9113-1DBD56EC3646}" type="datetimeFigureOut">
               <a:rPr lang="en-US" smtClean="0"/>
-              <a:t>3/19/2024</a:t>
+              <a:t>11/28/2024</a:t>
             </a:fld>
             <a:endParaRPr lang="en-US"/>
           </a:p>
@@ -1232,6 +1272,90 @@
 </p:notes>
 </file>
 
+<file path=ppt/notesSlides/notesSlide10.xml><?xml version="1.0" encoding="utf-8"?>
+<p:notes xmlns:a="http://schemas.openxmlformats.org/drawingml/2006/main" xmlns:r="http://schemas.openxmlformats.org/officeDocument/2006/relationships" xmlns:p="http://schemas.openxmlformats.org/presentationml/2006/main">
+  <p:cSld>
+    <p:spTree>
+      <p:nvGrpSpPr>
+        <p:cNvPr id="1" name=""/>
+        <p:cNvGrpSpPr/>
+        <p:nvPr/>
+      </p:nvGrpSpPr>
+      <p:grpSpPr>
+        <a:xfrm>
+          <a:off x="0" y="0"/>
+          <a:ext cx="0" cy="0"/>
+          <a:chOff x="0" y="0"/>
+          <a:chExt cx="0" cy="0"/>
+        </a:xfrm>
+      </p:grpSpPr>
+      <p:sp>
+        <p:nvSpPr>
+          <p:cNvPr id="2" name="Slide Image Placeholder 1"/>
+          <p:cNvSpPr>
+            <a:spLocks noGrp="1" noRot="1" noChangeAspect="1"/>
+          </p:cNvSpPr>
+          <p:nvPr>
+            <p:ph type="sldImg"/>
+          </p:nvPr>
+        </p:nvSpPr>
+        <p:spPr/>
+      </p:sp>
+      <p:sp>
+        <p:nvSpPr>
+          <p:cNvPr id="3" name="Notes Placeholder 2"/>
+          <p:cNvSpPr>
+            <a:spLocks noGrp="1"/>
+          </p:cNvSpPr>
+          <p:nvPr>
+            <p:ph type="body" idx="1"/>
+          </p:nvPr>
+        </p:nvSpPr>
+        <p:spPr/>
+        <p:txBody>
+          <a:bodyPr/>
+          <a:lstStyle/>
+          <a:p>
+            <a:endParaRPr lang="en-US" dirty="0"/>
+          </a:p>
+        </p:txBody>
+      </p:sp>
+      <p:sp>
+        <p:nvSpPr>
+          <p:cNvPr id="4" name="Slide Number Placeholder 3"/>
+          <p:cNvSpPr>
+            <a:spLocks noGrp="1"/>
+          </p:cNvSpPr>
+          <p:nvPr>
+            <p:ph type="sldNum" sz="quarter" idx="10"/>
+          </p:nvPr>
+        </p:nvSpPr>
+        <p:spPr/>
+        <p:txBody>
+          <a:bodyPr/>
+          <a:lstStyle/>
+          <a:p>
+            <a:fld id="{CD563DD8-32AB-41BE-B1C6-8EAC45222ACE}" type="slidenum">
+              <a:rPr lang="en-US" smtClean="0"/>
+              <a:t>20</a:t>
+            </a:fld>
+            <a:endParaRPr lang="en-US"/>
+          </a:p>
+        </p:txBody>
+      </p:sp>
+    </p:spTree>
+    <p:extLst>
+      <p:ext uri="{BB962C8B-B14F-4D97-AF65-F5344CB8AC3E}">
+        <p14:creationId xmlns:p14="http://schemas.microsoft.com/office/powerpoint/2010/main" val="1784339401"/>
+      </p:ext>
+    </p:extLst>
+  </p:cSld>
+  <p:clrMapOvr>
+    <a:masterClrMapping/>
+  </p:clrMapOvr>
+</p:notes>
+</file>
+
 <file path=ppt/notesSlides/notesSlide2.xml><?xml version="1.0" encoding="utf-8"?>
 <p:notes xmlns:a="http://schemas.openxmlformats.org/drawingml/2006/main" xmlns:r="http://schemas.openxmlformats.org/officeDocument/2006/relationships" xmlns:p="http://schemas.openxmlformats.org/presentationml/2006/main">
   <p:cSld>
@@ -1276,30 +1400,6 @@
           <a:bodyPr/>
           <a:lstStyle/>
           <a:p>
-            <a:r>
-              <a:rPr lang="en-US" dirty="0"/>
-              <a:t>requires </a:t>
-            </a:r>
-            <a:r>
-              <a:rPr lang="en-US" dirty="0" err="1"/>
-              <a:t>args</a:t>
-            </a:r>
-            <a:r>
-              <a:rPr lang="en-US" dirty="0"/>
-              <a:t> to be immutable &amp; </a:t>
-            </a:r>
-            <a:r>
-              <a:rPr lang="en-US" dirty="0" err="1"/>
-              <a:t>hashable</a:t>
-            </a:r>
-            <a:r>
-              <a:rPr lang="en-US" dirty="0"/>
-              <a:t>, since they</a:t>
-            </a:r>
-            <a:r>
-              <a:rPr lang="en-US" baseline="0" dirty="0"/>
-              <a:t> should be used as keys into a dictionary</a:t>
-            </a:r>
             <a:endParaRPr lang="en-US" dirty="0"/>
           </a:p>
         </p:txBody>
@@ -1311,7 +1411,7 @@
             <a:spLocks noGrp="1"/>
           </p:cNvSpPr>
           <p:nvPr>
-            <p:ph type="sldNum" sz="quarter" idx="10"/>
+            <p:ph type="sldNum" sz="quarter" idx="5"/>
           </p:nvPr>
         </p:nvSpPr>
         <p:spPr/>
@@ -1321,7 +1421,7 @@
           <a:p>
             <a:fld id="{CD563DD8-32AB-41BE-B1C6-8EAC45222ACE}" type="slidenum">
               <a:rPr lang="en-US" smtClean="0"/>
-              <a:t>6</a:t>
+              <a:t>5</a:t>
             </a:fld>
             <a:endParaRPr lang="en-US"/>
           </a:p>
@@ -1330,7 +1430,7 @@
     </p:spTree>
     <p:extLst>
       <p:ext uri="{BB962C8B-B14F-4D97-AF65-F5344CB8AC3E}">
-        <p14:creationId xmlns:p14="http://schemas.microsoft.com/office/powerpoint/2010/main" val="920594807"/>
+        <p14:creationId xmlns:p14="http://schemas.microsoft.com/office/powerpoint/2010/main" val="173490946"/>
       </p:ext>
     </p:extLst>
   </p:cSld>
@@ -1386,27 +1486,27 @@
           <a:p>
             <a:r>
               <a:rPr lang="en-US" dirty="0"/>
-              <a:t>If @trace and</a:t>
+              <a:t>requires </a:t>
+            </a:r>
+            <a:r>
+              <a:rPr lang="en-US" dirty="0" err="1"/>
+              <a:t>args</a:t>
+            </a:r>
+            <a:r>
+              <a:rPr lang="en-US" dirty="0"/>
+              <a:t> to be immutable &amp; </a:t>
+            </a:r>
+            <a:r>
+              <a:rPr lang="en-US" dirty="0" err="1"/>
+              <a:t>hashable</a:t>
+            </a:r>
+            <a:r>
+              <a:rPr lang="en-US" dirty="0"/>
+              <a:t>, since they</a:t>
             </a:r>
             <a:r>
               <a:rPr lang="en-US" baseline="0" dirty="0"/>
-              <a:t> @</a:t>
-            </a:r>
-            <a:r>
-              <a:rPr lang="en-US" baseline="0" dirty="0" err="1"/>
-              <a:t>memoize</a:t>
-            </a:r>
-            <a:r>
-              <a:rPr lang="en-US" baseline="0" dirty="0"/>
-              <a:t> are swapped then the function name printed in the last column is “binomial” instead of “</a:t>
-            </a:r>
-            <a:r>
-              <a:rPr lang="en-US" baseline="0" dirty="0" err="1"/>
-              <a:t>binomial_memoize</a:t>
-            </a:r>
-            <a:r>
-              <a:rPr lang="en-US" baseline="0" dirty="0"/>
-              <a:t>”</a:t>
+              <a:t> should be used as keys into a dictionary</a:t>
             </a:r>
             <a:endParaRPr lang="en-US" dirty="0"/>
           </a:p>
@@ -1429,7 +1529,7 @@
           <a:p>
             <a:fld id="{CD563DD8-32AB-41BE-B1C6-8EAC45222ACE}" type="slidenum">
               <a:rPr lang="en-US" smtClean="0"/>
-              <a:t>7</a:t>
+              <a:t>6</a:t>
             </a:fld>
             <a:endParaRPr lang="en-US"/>
           </a:p>
@@ -1438,7 +1538,7 @@
     </p:spTree>
     <p:extLst>
       <p:ext uri="{BB962C8B-B14F-4D97-AF65-F5344CB8AC3E}">
-        <p14:creationId xmlns:p14="http://schemas.microsoft.com/office/powerpoint/2010/main" val="3182379233"/>
+        <p14:creationId xmlns:p14="http://schemas.microsoft.com/office/powerpoint/2010/main" val="920594807"/>
       </p:ext>
     </p:extLst>
   </p:cSld>
@@ -1494,24 +1594,29 @@
           <a:p>
             <a:r>
               <a:rPr lang="en-US" dirty="0"/>
-              <a:t>The </a:t>
-            </a:r>
-            <a:r>
-              <a:rPr lang="en-US" dirty="0" err="1"/>
-              <a:t>func</a:t>
-            </a:r>
-            <a:r>
-              <a:rPr lang="en-US" dirty="0"/>
-              <a:t> tools decorators also inhere in the docstrings (.__doc__), such that help and </a:t>
-            </a:r>
-            <a:r>
-              <a:rPr lang="en-US" dirty="0" err="1"/>
-              <a:t>doctest</a:t>
-            </a:r>
-            <a:r>
-              <a:rPr lang="en-US" dirty="0"/>
-              <a:t> also work.</a:t>
-            </a:r>
+              <a:t>If @trace and</a:t>
+            </a:r>
+            <a:r>
+              <a:rPr lang="en-US" baseline="0" dirty="0"/>
+              <a:t> @</a:t>
+            </a:r>
+            <a:r>
+              <a:rPr lang="en-US" baseline="0" dirty="0" err="1"/>
+              <a:t>memoize</a:t>
+            </a:r>
+            <a:r>
+              <a:rPr lang="en-US" baseline="0" dirty="0"/>
+              <a:t> are swapped then the function name printed in the last column is “binomial” instead of “</a:t>
+            </a:r>
+            <a:r>
+              <a:rPr lang="en-US" baseline="0" dirty="0" err="1"/>
+              <a:t>binomial_memoize</a:t>
+            </a:r>
+            <a:r>
+              <a:rPr lang="en-US" baseline="0" dirty="0"/>
+              <a:t>”</a:t>
+            </a:r>
+            <a:endParaRPr lang="en-US" dirty="0"/>
           </a:p>
         </p:txBody>
       </p:sp>
@@ -1522,7 +1627,7 @@
             <a:spLocks noGrp="1"/>
           </p:cNvSpPr>
           <p:nvPr>
-            <p:ph type="sldNum" sz="quarter" idx="5"/>
+            <p:ph type="sldNum" sz="quarter" idx="10"/>
           </p:nvPr>
         </p:nvSpPr>
         <p:spPr/>
@@ -1532,7 +1637,7 @@
           <a:p>
             <a:fld id="{CD563DD8-32AB-41BE-B1C6-8EAC45222ACE}" type="slidenum">
               <a:rPr lang="en-US" smtClean="0"/>
-              <a:t>8</a:t>
+              <a:t>7</a:t>
             </a:fld>
             <a:endParaRPr lang="en-US"/>
           </a:p>
@@ -1541,7 +1646,7 @@
     </p:spTree>
     <p:extLst>
       <p:ext uri="{BB962C8B-B14F-4D97-AF65-F5344CB8AC3E}">
-        <p14:creationId xmlns:p14="http://schemas.microsoft.com/office/powerpoint/2010/main" val="1786853862"/>
+        <p14:creationId xmlns:p14="http://schemas.microsoft.com/office/powerpoint/2010/main" val="3182379233"/>
       </p:ext>
     </p:extLst>
   </p:cSld>
@@ -1597,9 +1702,53 @@
           <a:p>
             <a:r>
               <a:rPr lang="en-US" dirty="0"/>
-              <a:t>Exercise 13.4 asks you to return the subset equal to x, and to use an exception to stop the recursion</a:t>
-            </a:r>
-            <a:endParaRPr lang="da-DK" dirty="0"/>
+              <a:t>The </a:t>
+            </a:r>
+            <a:r>
+              <a:rPr lang="en-US" dirty="0" err="1"/>
+              <a:t>functools</a:t>
+            </a:r>
+            <a:r>
+              <a:rPr lang="en-US" dirty="0"/>
+              <a:t> decorators also inhere in the docstrings (.__doc__), such that help and </a:t>
+            </a:r>
+            <a:r>
+              <a:rPr lang="en-US" dirty="0" err="1"/>
+              <a:t>doctest</a:t>
+            </a:r>
+            <a:r>
+              <a:rPr lang="en-US" dirty="0"/>
+              <a:t> also work.</a:t>
+            </a:r>
+          </a:p>
+          <a:p>
+            <a:endParaRPr lang="en-US" dirty="0"/>
+          </a:p>
+          <a:p>
+            <a:r>
+              <a:rPr lang="en-US" dirty="0"/>
+              <a:t>Technical issue with </a:t>
+            </a:r>
+            <a:r>
+              <a:rPr lang="en-US" dirty="0" err="1"/>
+              <a:t>functools.cache</a:t>
+            </a:r>
+            <a:r>
+              <a:rPr lang="en-US" dirty="0"/>
+              <a:t> and increasing the </a:t>
+            </a:r>
+            <a:r>
+              <a:rPr lang="en-US" dirty="0" err="1"/>
+              <a:t>recursionlimit</a:t>
+            </a:r>
+            <a:r>
+              <a:rPr lang="en-US"/>
+              <a:t>: https</a:t>
+            </a:r>
+            <a:r>
+              <a:rPr lang="en-US" dirty="0"/>
+              <a:t>://github.com/python/cpython/issues/112215</a:t>
+            </a:r>
           </a:p>
         </p:txBody>
       </p:sp>
@@ -1620,7 +1769,7 @@
           <a:p>
             <a:fld id="{CD563DD8-32AB-41BE-B1C6-8EAC45222ACE}" type="slidenum">
               <a:rPr lang="en-US" smtClean="0"/>
-              <a:t>9</a:t>
+              <a:t>8</a:t>
             </a:fld>
             <a:endParaRPr lang="en-US"/>
           </a:p>
@@ -1629,7 +1778,7 @@
     </p:spTree>
     <p:extLst>
       <p:ext uri="{BB962C8B-B14F-4D97-AF65-F5344CB8AC3E}">
-        <p14:creationId xmlns:p14="http://schemas.microsoft.com/office/powerpoint/2010/main" val="3466055033"/>
+        <p14:creationId xmlns:p14="http://schemas.microsoft.com/office/powerpoint/2010/main" val="1786853862"/>
       </p:ext>
     </p:extLst>
   </p:cSld>
@@ -1685,15 +1834,7 @@
           <a:p>
             <a:r>
               <a:rPr lang="en-US" dirty="0"/>
-              <a:t>Algorithm likely only useful when </a:t>
-            </a:r>
-            <a:r>
-              <a:rPr lang="en-US" dirty="0" err="1"/>
-              <a:t>len</a:t>
-            </a:r>
-            <a:r>
-              <a:rPr lang="en-US" dirty="0"/>
-              <a:t>(L)*sum(L) is small</a:t>
+              <a:t>Exercise 13.4 asks you to return the subset equal to x, and to use an exception to stop the recursion</a:t>
             </a:r>
             <a:endParaRPr lang="da-DK" dirty="0"/>
           </a:p>
@@ -1716,7 +1857,7 @@
           <a:p>
             <a:fld id="{CD563DD8-32AB-41BE-B1C6-8EAC45222ACE}" type="slidenum">
               <a:rPr lang="en-US" smtClean="0"/>
-              <a:t>11</a:t>
+              <a:t>9</a:t>
             </a:fld>
             <a:endParaRPr lang="en-US"/>
           </a:p>
@@ -1725,7 +1866,7 @@
     </p:spTree>
     <p:extLst>
       <p:ext uri="{BB962C8B-B14F-4D97-AF65-F5344CB8AC3E}">
-        <p14:creationId xmlns:p14="http://schemas.microsoft.com/office/powerpoint/2010/main" val="1933966232"/>
+        <p14:creationId xmlns:p14="http://schemas.microsoft.com/office/powerpoint/2010/main" val="3466055033"/>
       </p:ext>
     </p:extLst>
   </p:cSld>
@@ -1781,25 +1922,17 @@
           <a:p>
             <a:r>
               <a:rPr lang="en-US" dirty="0"/>
-              <a:t>Essentially the </a:t>
+              <a:t>Algorithm likely only useful when </a:t>
             </a:r>
             <a:r>
               <a:rPr lang="en-US" dirty="0" err="1"/>
-              <a:t>memoization</a:t>
-            </a:r>
-            <a:r>
-              <a:rPr lang="en-US" baseline="0" dirty="0"/>
-              <a:t> should keep track of all </a:t>
-            </a:r>
-            <a:r>
-              <a:rPr lang="en-US" b="1" baseline="0" dirty="0" err="1"/>
-              <a:t>subproblems</a:t>
-            </a:r>
-            <a:r>
-              <a:rPr lang="en-US" b="1" baseline="0" dirty="0"/>
-              <a:t> with no solution</a:t>
-            </a:r>
-            <a:endParaRPr lang="en-US" b="1" dirty="0"/>
+              <a:t>len</a:t>
+            </a:r>
+            <a:r>
+              <a:rPr lang="en-US" dirty="0"/>
+              <a:t>(L)*sum(L) is small</a:t>
+            </a:r>
+            <a:endParaRPr lang="da-DK" dirty="0"/>
           </a:p>
         </p:txBody>
       </p:sp>
@@ -1810,7 +1943,7 @@
             <a:spLocks noGrp="1"/>
           </p:cNvSpPr>
           <p:nvPr>
-            <p:ph type="sldNum" sz="quarter" idx="10"/>
+            <p:ph type="sldNum" sz="quarter" idx="5"/>
           </p:nvPr>
         </p:nvSpPr>
         <p:spPr/>
@@ -1820,7 +1953,7 @@
           <a:p>
             <a:fld id="{CD563DD8-32AB-41BE-B1C6-8EAC45222ACE}" type="slidenum">
               <a:rPr lang="en-US" smtClean="0"/>
-              <a:t>12</a:t>
+              <a:t>11</a:t>
             </a:fld>
             <a:endParaRPr lang="en-US"/>
           </a:p>
@@ -1829,7 +1962,7 @@
     </p:spTree>
     <p:extLst>
       <p:ext uri="{BB962C8B-B14F-4D97-AF65-F5344CB8AC3E}">
-        <p14:creationId xmlns:p14="http://schemas.microsoft.com/office/powerpoint/2010/main" val="2387255200"/>
+        <p14:creationId xmlns:p14="http://schemas.microsoft.com/office/powerpoint/2010/main" val="1933966232"/>
       </p:ext>
     </p:extLst>
   </p:cSld>
@@ -1884,78 +2017,26 @@
           <a:lstStyle/>
           <a:p>
             <a:r>
-              <a:rPr lang="da-DK" dirty="0"/>
-              <a:t>(4) </a:t>
-            </a:r>
-            <a:r>
-              <a:rPr lang="da-DK" dirty="0" err="1"/>
-              <a:t>Compute</a:t>
-            </a:r>
-            <a:r>
-              <a:rPr lang="da-DK" dirty="0"/>
-              <a:t> right-to-</a:t>
-            </a:r>
-            <a:r>
-              <a:rPr lang="da-DK" dirty="0" err="1"/>
-              <a:t>left</a:t>
-            </a:r>
-            <a:r>
-              <a:rPr lang="da-DK" dirty="0"/>
-              <a:t> </a:t>
-            </a:r>
-            <a:r>
-              <a:rPr lang="da-DK" dirty="0" err="1"/>
-              <a:t>since</a:t>
-            </a:r>
-            <a:r>
-              <a:rPr lang="da-DK" dirty="0"/>
-              <a:t> </a:t>
-            </a:r>
-            <a:r>
-              <a:rPr lang="da-DK" dirty="0" err="1"/>
-              <a:t>we</a:t>
-            </a:r>
-            <a:r>
-              <a:rPr lang="da-DK" dirty="0"/>
-              <a:t> </a:t>
-            </a:r>
-            <a:r>
-              <a:rPr lang="da-DK" dirty="0" err="1"/>
-              <a:t>are</a:t>
-            </a:r>
-            <a:r>
-              <a:rPr lang="da-DK" dirty="0"/>
-              <a:t> </a:t>
-            </a:r>
-            <a:r>
-              <a:rPr lang="da-DK" dirty="0" err="1"/>
-              <a:t>overwritting</a:t>
-            </a:r>
-            <a:r>
-              <a:rPr lang="da-DK" dirty="0"/>
-              <a:t> </a:t>
-            </a:r>
-            <a:r>
-              <a:rPr lang="da-DK" dirty="0" err="1"/>
-              <a:t>previous</a:t>
-            </a:r>
-            <a:r>
-              <a:rPr lang="da-DK" dirty="0"/>
-              <a:t> </a:t>
-            </a:r>
-            <a:r>
-              <a:rPr lang="da-DK" dirty="0" err="1"/>
-              <a:t>row</a:t>
-            </a:r>
-            <a:r>
-              <a:rPr lang="da-DK" dirty="0"/>
-              <a:t> with new </a:t>
-            </a:r>
-            <a:r>
-              <a:rPr lang="da-DK" dirty="0" err="1"/>
-              <a:t>values</a:t>
-            </a:r>
-            <a:endParaRPr lang="da-DK" dirty="0"/>
+              <a:rPr lang="en-US" dirty="0"/>
+              <a:t>Essentially the </a:t>
+            </a:r>
+            <a:r>
+              <a:rPr lang="en-US" dirty="0" err="1"/>
+              <a:t>memoization</a:t>
+            </a:r>
+            <a:r>
+              <a:rPr lang="en-US" baseline="0" dirty="0"/>
+              <a:t> should keep track of all </a:t>
+            </a:r>
+            <a:r>
+              <a:rPr lang="en-US" b="1" baseline="0" dirty="0" err="1"/>
+              <a:t>subproblems</a:t>
+            </a:r>
+            <a:r>
+              <a:rPr lang="en-US" b="1" baseline="0" dirty="0"/>
+              <a:t> with no solution</a:t>
+            </a:r>
+            <a:endParaRPr lang="en-US" b="1" dirty="0"/>
           </a:p>
         </p:txBody>
       </p:sp>
@@ -1966,7 +2047,7 @@
             <a:spLocks noGrp="1"/>
           </p:cNvSpPr>
           <p:nvPr>
-            <p:ph type="sldNum" sz="quarter" idx="5"/>
+            <p:ph type="sldNum" sz="quarter" idx="10"/>
           </p:nvPr>
         </p:nvSpPr>
         <p:spPr/>
@@ -1976,7 +2057,7 @@
           <a:p>
             <a:fld id="{CD563DD8-32AB-41BE-B1C6-8EAC45222ACE}" type="slidenum">
               <a:rPr lang="en-US" smtClean="0"/>
-              <a:t>17</a:t>
+              <a:t>12</a:t>
             </a:fld>
             <a:endParaRPr lang="en-US"/>
           </a:p>
@@ -1985,7 +2066,7 @@
     </p:spTree>
     <p:extLst>
       <p:ext uri="{BB962C8B-B14F-4D97-AF65-F5344CB8AC3E}">
-        <p14:creationId xmlns:p14="http://schemas.microsoft.com/office/powerpoint/2010/main" val="2332366075"/>
+        <p14:creationId xmlns:p14="http://schemas.microsoft.com/office/powerpoint/2010/main" val="2387255200"/>
       </p:ext>
     </p:extLst>
   </p:cSld>
@@ -2039,7 +2120,79 @@
           <a:bodyPr/>
           <a:lstStyle/>
           <a:p>
-            <a:endParaRPr lang="en-US" dirty="0"/>
+            <a:r>
+              <a:rPr lang="da-DK" dirty="0"/>
+              <a:t>(4) </a:t>
+            </a:r>
+            <a:r>
+              <a:rPr lang="da-DK" dirty="0" err="1"/>
+              <a:t>Compute</a:t>
+            </a:r>
+            <a:r>
+              <a:rPr lang="da-DK" dirty="0"/>
+              <a:t> right-to-</a:t>
+            </a:r>
+            <a:r>
+              <a:rPr lang="da-DK" dirty="0" err="1"/>
+              <a:t>left</a:t>
+            </a:r>
+            <a:r>
+              <a:rPr lang="da-DK" dirty="0"/>
+              <a:t> </a:t>
+            </a:r>
+            <a:r>
+              <a:rPr lang="da-DK" dirty="0" err="1"/>
+              <a:t>since</a:t>
+            </a:r>
+            <a:r>
+              <a:rPr lang="da-DK" dirty="0"/>
+              <a:t> </a:t>
+            </a:r>
+            <a:r>
+              <a:rPr lang="da-DK" dirty="0" err="1"/>
+              <a:t>we</a:t>
+            </a:r>
+            <a:r>
+              <a:rPr lang="da-DK" dirty="0"/>
+              <a:t> </a:t>
+            </a:r>
+            <a:r>
+              <a:rPr lang="da-DK" dirty="0" err="1"/>
+              <a:t>are</a:t>
+            </a:r>
+            <a:r>
+              <a:rPr lang="da-DK" dirty="0"/>
+              <a:t> </a:t>
+            </a:r>
+            <a:r>
+              <a:rPr lang="da-DK" dirty="0" err="1"/>
+              <a:t>overwritting</a:t>
+            </a:r>
+            <a:r>
+              <a:rPr lang="da-DK" dirty="0"/>
+              <a:t> </a:t>
+            </a:r>
+            <a:r>
+              <a:rPr lang="da-DK" dirty="0" err="1"/>
+              <a:t>previous</a:t>
+            </a:r>
+            <a:r>
+              <a:rPr lang="da-DK" dirty="0"/>
+              <a:t> </a:t>
+            </a:r>
+            <a:r>
+              <a:rPr lang="da-DK" dirty="0" err="1"/>
+              <a:t>row</a:t>
+            </a:r>
+            <a:r>
+              <a:rPr lang="da-DK" dirty="0"/>
+              <a:t> with new </a:t>
+            </a:r>
+            <a:r>
+              <a:rPr lang="da-DK" dirty="0" err="1"/>
+              <a:t>values</a:t>
+            </a:r>
+            <a:endParaRPr lang="da-DK" dirty="0"/>
           </a:p>
         </p:txBody>
       </p:sp>
@@ -2050,7 +2203,7 @@
             <a:spLocks noGrp="1"/>
           </p:cNvSpPr>
           <p:nvPr>
-            <p:ph type="sldNum" sz="quarter" idx="10"/>
+            <p:ph type="sldNum" sz="quarter" idx="5"/>
           </p:nvPr>
         </p:nvSpPr>
         <p:spPr/>
@@ -2060,7 +2213,7 @@
           <a:p>
             <a:fld id="{CD563DD8-32AB-41BE-B1C6-8EAC45222ACE}" type="slidenum">
               <a:rPr lang="en-US" smtClean="0"/>
-              <a:t>20</a:t>
+              <a:t>17</a:t>
             </a:fld>
             <a:endParaRPr lang="en-US"/>
           </a:p>
@@ -2069,7 +2222,7 @@
     </p:spTree>
     <p:extLst>
       <p:ext uri="{BB962C8B-B14F-4D97-AF65-F5344CB8AC3E}">
-        <p14:creationId xmlns:p14="http://schemas.microsoft.com/office/powerpoint/2010/main" val="1784339401"/>
+        <p14:creationId xmlns:p14="http://schemas.microsoft.com/office/powerpoint/2010/main" val="2332366075"/>
       </p:ext>
     </p:extLst>
   </p:cSld>
@@ -2216,7 +2369,7 @@
           <a:p>
             <a:fld id="{0560A9CD-0304-4E0B-9E82-E7E0115DE05B}" type="datetimeFigureOut">
               <a:rPr lang="en-US" smtClean="0"/>
-              <a:t>3/19/2024</a:t>
+              <a:t>11/28/2024</a:t>
             </a:fld>
             <a:endParaRPr lang="en-US"/>
           </a:p>
@@ -2384,7 +2537,7 @@
           <a:p>
             <a:fld id="{0560A9CD-0304-4E0B-9E82-E7E0115DE05B}" type="datetimeFigureOut">
               <a:rPr lang="en-US" smtClean="0"/>
-              <a:t>3/19/2024</a:t>
+              <a:t>11/28/2024</a:t>
             </a:fld>
             <a:endParaRPr lang="en-US"/>
           </a:p>
@@ -2562,7 +2715,7 @@
           <a:p>
             <a:fld id="{0560A9CD-0304-4E0B-9E82-E7E0115DE05B}" type="datetimeFigureOut">
               <a:rPr lang="en-US" smtClean="0"/>
-              <a:t>3/19/2024</a:t>
+              <a:t>11/28/2024</a:t>
             </a:fld>
             <a:endParaRPr lang="en-US"/>
           </a:p>
@@ -2745,7 +2898,7 @@
           <a:p>
             <a:fld id="{0560A9CD-0304-4E0B-9E82-E7E0115DE05B}" type="datetimeFigureOut">
               <a:rPr lang="en-US" smtClean="0"/>
-              <a:t>3/19/2024</a:t>
+              <a:t>11/28/2024</a:t>
             </a:fld>
             <a:endParaRPr lang="en-US"/>
           </a:p>
@@ -2990,7 +3143,7 @@
           <a:p>
             <a:fld id="{0560A9CD-0304-4E0B-9E82-E7E0115DE05B}" type="datetimeFigureOut">
               <a:rPr lang="en-US" smtClean="0"/>
-              <a:t>3/19/2024</a:t>
+              <a:t>11/28/2024</a:t>
             </a:fld>
             <a:endParaRPr lang="en-US"/>
           </a:p>
@@ -3219,7 +3372,7 @@
           <a:p>
             <a:fld id="{0560A9CD-0304-4E0B-9E82-E7E0115DE05B}" type="datetimeFigureOut">
               <a:rPr lang="en-US" smtClean="0"/>
-              <a:t>3/19/2024</a:t>
+              <a:t>11/28/2024</a:t>
             </a:fld>
             <a:endParaRPr lang="en-US"/>
           </a:p>
@@ -3583,7 +3736,7 @@
           <a:p>
             <a:fld id="{0560A9CD-0304-4E0B-9E82-E7E0115DE05B}" type="datetimeFigureOut">
               <a:rPr lang="en-US" smtClean="0"/>
-              <a:t>3/19/2024</a:t>
+              <a:t>11/28/2024</a:t>
             </a:fld>
             <a:endParaRPr lang="en-US"/>
           </a:p>
@@ -3700,7 +3853,7 @@
           <a:p>
             <a:fld id="{0560A9CD-0304-4E0B-9E82-E7E0115DE05B}" type="datetimeFigureOut">
               <a:rPr lang="en-US" smtClean="0"/>
-              <a:t>3/19/2024</a:t>
+              <a:t>11/28/2024</a:t>
             </a:fld>
             <a:endParaRPr lang="en-US"/>
           </a:p>
@@ -3795,7 +3948,7 @@
           <a:p>
             <a:fld id="{0560A9CD-0304-4E0B-9E82-E7E0115DE05B}" type="datetimeFigureOut">
               <a:rPr lang="en-US" smtClean="0"/>
-              <a:t>3/19/2024</a:t>
+              <a:t>11/28/2024</a:t>
             </a:fld>
             <a:endParaRPr lang="en-US"/>
           </a:p>
@@ -4070,7 +4223,7 @@
           <a:p>
             <a:fld id="{0560A9CD-0304-4E0B-9E82-E7E0115DE05B}" type="datetimeFigureOut">
               <a:rPr lang="en-US" smtClean="0"/>
-              <a:t>3/19/2024</a:t>
+              <a:t>11/28/2024</a:t>
             </a:fld>
             <a:endParaRPr lang="en-US"/>
           </a:p>
@@ -4322,7 +4475,7 @@
           <a:p>
             <a:fld id="{0560A9CD-0304-4E0B-9E82-E7E0115DE05B}" type="datetimeFigureOut">
               <a:rPr lang="en-US" smtClean="0"/>
-              <a:t>3/19/2024</a:t>
+              <a:t>11/28/2024</a:t>
             </a:fld>
             <a:endParaRPr lang="en-US"/>
           </a:p>
@@ -4533,7 +4686,7 @@
           <a:p>
             <a:fld id="{0560A9CD-0304-4E0B-9E82-E7E0115DE05B}" type="datetimeFigureOut">
               <a:rPr lang="en-US" smtClean="0"/>
-              <a:t>3/19/2024</a:t>
+              <a:t>11/28/2024</a:t>
             </a:fld>
             <a:endParaRPr lang="en-US"/>
           </a:p>
@@ -21631,11 +21784,11 @@
   <p:clrMapOvr>
     <a:masterClrMapping/>
   </p:clrMapOvr>
-  <mc:AlternateContent xmlns:mc="http://schemas.openxmlformats.org/markup-compatibility/2006">
-    <mc:Choice xmlns:p14="http://schemas.microsoft.com/office/powerpoint/2010/main" Requires="p14">
+  <mc:AlternateContent xmlns:mc="http://schemas.openxmlformats.org/markup-compatibility/2006" xmlns:p14="http://schemas.microsoft.com/office/powerpoint/2010/main">
+    <mc:Choice Requires="p14">
       <p:transition p14:dur="10"/>
     </mc:Choice>
-    <mc:Fallback>
+    <mc:Fallback xmlns="">
       <p:transition/>
     </mc:Fallback>
   </mc:AlternateContent>
@@ -28979,8 +29132,8 @@
         </p:nvSpPr>
         <p:spPr>
           <a:xfrm>
-            <a:off x="344889" y="4496753"/>
-            <a:ext cx="11589935" cy="1504709"/>
+            <a:off x="699757" y="4499496"/>
+            <a:ext cx="11096625" cy="2085862"/>
           </a:xfrm>
         </p:spPr>
         <p:txBody>
@@ -28990,76 +29143,76 @@
           <a:lstStyle/>
           <a:p>
             <a:r>
-              <a:rPr lang="da-DK" sz="2400" dirty="0"/>
+              <a:rPr lang="da-DK" sz="2000" dirty="0"/>
               <a:t>The </a:t>
             </a:r>
             <a:r>
-              <a:rPr lang="da-DK" sz="2400" dirty="0" err="1"/>
+              <a:rPr lang="da-DK" sz="2000" dirty="0" err="1"/>
               <a:t>decorators</a:t>
             </a:r>
             <a:r>
-              <a:rPr lang="da-DK" sz="2400" dirty="0"/>
+              <a:rPr lang="da-DK" sz="2000" dirty="0"/>
               <a:t> </a:t>
             </a:r>
             <a:r>
-              <a:rPr lang="da-DK" sz="2400" dirty="0">
+              <a:rPr lang="da-DK" sz="2000" dirty="0">
                 <a:latin typeface="Courier New" panose="02070309020205020404" pitchFamily="49" charset="0"/>
                 <a:cs typeface="Courier New" panose="02070309020205020404" pitchFamily="49" charset="0"/>
               </a:rPr>
               <a:t>@cache</a:t>
             </a:r>
             <a:r>
-              <a:rPr lang="da-DK" sz="2400" dirty="0"/>
+              <a:rPr lang="da-DK" sz="2000" dirty="0"/>
               <a:t> (</a:t>
             </a:r>
             <a:r>
-              <a:rPr lang="da-DK" sz="2400" dirty="0" err="1"/>
+              <a:rPr lang="da-DK" sz="2000" dirty="0" err="1"/>
               <a:t>since</a:t>
             </a:r>
             <a:r>
-              <a:rPr lang="da-DK" sz="2400" dirty="0"/>
+              <a:rPr lang="da-DK" sz="2000" dirty="0"/>
               <a:t> Python 3.9) and </a:t>
             </a:r>
             <a:r>
-              <a:rPr lang="da-DK" sz="2400" dirty="0">
+              <a:rPr lang="da-DK" sz="2000" dirty="0">
                 <a:latin typeface="Courier New" panose="02070309020205020404" pitchFamily="49" charset="0"/>
                 <a:cs typeface="Courier New" panose="02070309020205020404" pitchFamily="49" charset="0"/>
               </a:rPr>
               <a:t>@lru_cache(maxsize=None)</a:t>
             </a:r>
             <a:r>
-              <a:rPr lang="da-DK" sz="2400" dirty="0"/>
+              <a:rPr lang="da-DK" sz="2000" dirty="0"/>
               <a:t> in the standard </a:t>
             </a:r>
             <a:r>
-              <a:rPr lang="da-DK" sz="2400" dirty="0" err="1"/>
+              <a:rPr lang="da-DK" sz="2000" dirty="0" err="1"/>
               <a:t>library</a:t>
             </a:r>
             <a:r>
-              <a:rPr lang="da-DK" sz="2400" dirty="0"/>
+              <a:rPr lang="da-DK" sz="2000" dirty="0"/>
               <a:t> </a:t>
             </a:r>
             <a:r>
-              <a:rPr lang="da-DK" sz="2400" dirty="0" err="1">
+              <a:rPr lang="da-DK" sz="2000" dirty="0" err="1">
                 <a:latin typeface="Courier New" panose="02070309020205020404" pitchFamily="49" charset="0"/>
                 <a:cs typeface="Courier New" panose="02070309020205020404" pitchFamily="49" charset="0"/>
               </a:rPr>
               <a:t>functools</a:t>
             </a:r>
             <a:r>
-              <a:rPr lang="da-DK" sz="2400" dirty="0"/>
+              <a:rPr lang="da-DK" sz="2000" dirty="0"/>
               <a:t> supports the same as the </a:t>
             </a:r>
             <a:r>
-              <a:rPr lang="da-DK" sz="2400" dirty="0" err="1"/>
+              <a:rPr lang="da-DK" sz="2000" dirty="0" err="1"/>
               <a:t>decorator</a:t>
             </a:r>
             <a:r>
-              <a:rPr lang="da-DK" sz="2400" dirty="0"/>
+              <a:rPr lang="da-DK" sz="2000" dirty="0"/>
               <a:t> </a:t>
             </a:r>
             <a:r>
-              <a:rPr lang="da-DK" sz="2400" dirty="0">
+              <a:rPr lang="da-DK" sz="2000" dirty="0">
                 <a:solidFill>
                   <a:schemeClr val="accent1">
                     <a:lumMod val="50000"/>
@@ -29073,125 +29226,180 @@
           </a:p>
           <a:p>
             <a:r>
-              <a:rPr lang="da-DK" sz="2400" dirty="0"/>
+              <a:rPr lang="da-DK" sz="2000" dirty="0"/>
               <a:t>By default </a:t>
             </a:r>
             <a:r>
-              <a:rPr lang="da-DK" sz="2400" dirty="0">
+              <a:rPr lang="da-DK" sz="2000" dirty="0">
                 <a:latin typeface="Courier New" panose="02070309020205020404" pitchFamily="49" charset="0"/>
                 <a:cs typeface="Courier New" panose="02070309020205020404" pitchFamily="49" charset="0"/>
               </a:rPr>
               <a:t>@lru_cache </a:t>
             </a:r>
             <a:r>
-              <a:rPr lang="da-DK" sz="2400" dirty="0"/>
+              <a:rPr lang="da-DK" sz="2000" dirty="0"/>
               <a:t>at most </a:t>
             </a:r>
             <a:r>
-              <a:rPr lang="da-DK" sz="2400" dirty="0" err="1"/>
+              <a:rPr lang="da-DK" sz="2000" dirty="0" err="1"/>
               <a:t>remembers</a:t>
             </a:r>
             <a:r>
-              <a:rPr lang="da-DK" sz="2400" dirty="0"/>
+              <a:rPr lang="da-DK" sz="2000" dirty="0"/>
               <a:t> (caches) 128 </a:t>
             </a:r>
             <a:r>
-              <a:rPr lang="da-DK" sz="2400" dirty="0" err="1"/>
+              <a:rPr lang="da-DK" sz="2000" dirty="0" err="1"/>
               <a:t>previous</a:t>
             </a:r>
             <a:r>
-              <a:rPr lang="da-DK" sz="2400" dirty="0"/>
+              <a:rPr lang="da-DK" sz="2000" dirty="0"/>
               <a:t> </a:t>
             </a:r>
             <a:r>
-              <a:rPr lang="da-DK" sz="2400" dirty="0" err="1"/>
+              <a:rPr lang="da-DK" sz="2000" dirty="0" err="1"/>
               <a:t>function</a:t>
             </a:r>
             <a:r>
-              <a:rPr lang="da-DK" sz="2400" dirty="0"/>
+              <a:rPr lang="da-DK" sz="2000" dirty="0"/>
               <a:t> </a:t>
             </a:r>
             <a:r>
-              <a:rPr lang="da-DK" sz="2400" dirty="0" err="1"/>
+              <a:rPr lang="da-DK" sz="2000" dirty="0" err="1"/>
               <a:t>calls</a:t>
             </a:r>
             <a:r>
-              <a:rPr lang="da-DK" sz="2400" dirty="0"/>
+              <a:rPr lang="da-DK" sz="2000" dirty="0"/>
               <a:t>, </a:t>
             </a:r>
             <a:r>
-              <a:rPr lang="da-DK" sz="2400" dirty="0" err="1"/>
+              <a:rPr lang="da-DK" sz="2000" dirty="0" err="1"/>
               <a:t>always</a:t>
             </a:r>
             <a:r>
-              <a:rPr lang="da-DK" sz="2400" dirty="0"/>
+              <a:rPr lang="da-DK" sz="2000" dirty="0"/>
               <a:t> </a:t>
             </a:r>
             <a:r>
-              <a:rPr lang="da-DK" sz="2400" dirty="0" err="1"/>
+              <a:rPr lang="da-DK" sz="2000" dirty="0" err="1"/>
               <a:t>evicting</a:t>
             </a:r>
             <a:r>
-              <a:rPr lang="da-DK" sz="2400" dirty="0"/>
+              <a:rPr lang="da-DK" sz="2000" dirty="0"/>
               <a:t> </a:t>
             </a:r>
             <a:r>
-              <a:rPr lang="da-DK" sz="2400" b="1" dirty="0" err="1"/>
+              <a:rPr lang="da-DK" sz="2000" b="1" dirty="0" err="1"/>
               <a:t>L</a:t>
             </a:r>
             <a:r>
-              <a:rPr lang="da-DK" sz="2400" dirty="0" err="1"/>
+              <a:rPr lang="da-DK" sz="2000" dirty="0" err="1"/>
               <a:t>east</a:t>
             </a:r>
             <a:r>
-              <a:rPr lang="da-DK" sz="2400" dirty="0"/>
+              <a:rPr lang="da-DK" sz="2000" dirty="0"/>
               <a:t> </a:t>
             </a:r>
             <a:r>
-              <a:rPr lang="da-DK" sz="2400" b="1" dirty="0" err="1"/>
+              <a:rPr lang="da-DK" sz="2000" b="1" dirty="0" err="1"/>
               <a:t>R</a:t>
             </a:r>
             <a:r>
-              <a:rPr lang="da-DK" sz="2400" dirty="0" err="1"/>
+              <a:rPr lang="da-DK" sz="2000" dirty="0" err="1"/>
               <a:t>ecently</a:t>
             </a:r>
             <a:r>
-              <a:rPr lang="da-DK" sz="2400" dirty="0"/>
+              <a:rPr lang="da-DK" sz="2000" dirty="0"/>
               <a:t> </a:t>
             </a:r>
             <a:r>
-              <a:rPr lang="da-DK" sz="2400" b="1" dirty="0" err="1"/>
+              <a:rPr lang="da-DK" sz="2000" b="1" dirty="0" err="1"/>
               <a:t>U</a:t>
             </a:r>
             <a:r>
-              <a:rPr lang="da-DK" sz="2400" dirty="0" err="1"/>
+              <a:rPr lang="da-DK" sz="2000" dirty="0" err="1"/>
               <a:t>sed</a:t>
             </a:r>
             <a:r>
-              <a:rPr lang="da-DK" sz="2400" dirty="0"/>
+              <a:rPr lang="da-DK" sz="2000" dirty="0"/>
               <a:t> </a:t>
             </a:r>
             <a:r>
-              <a:rPr lang="da-DK" sz="2400" dirty="0" err="1"/>
+              <a:rPr lang="da-DK" sz="2000" dirty="0" err="1"/>
               <a:t>entries</a:t>
             </a:r>
             <a:r>
-              <a:rPr lang="da-DK" sz="2400" dirty="0"/>
+              <a:rPr lang="da-DK" sz="2000" dirty="0"/>
               <a:t> from </a:t>
             </a:r>
             <a:r>
-              <a:rPr lang="da-DK" sz="2400" dirty="0" err="1"/>
+              <a:rPr lang="da-DK" sz="2000" dirty="0" err="1"/>
               <a:t>its</a:t>
             </a:r>
             <a:r>
-              <a:rPr lang="da-DK" sz="2400" dirty="0"/>
+              <a:rPr lang="da-DK" sz="2000" dirty="0"/>
               <a:t> </a:t>
             </a:r>
             <a:r>
-              <a:rPr lang="da-DK" sz="2400" dirty="0" err="1"/>
+              <a:rPr lang="da-DK" sz="2000" dirty="0" err="1"/>
               <a:t>dictionary</a:t>
             </a:r>
-            <a:endParaRPr lang="da-DK" sz="2400" dirty="0"/>
+            <a:endParaRPr lang="da-DK" sz="2000" dirty="0"/>
+          </a:p>
+          <a:p>
+            <a:r>
+              <a:rPr lang="da-DK" sz="2000" dirty="0" err="1">
+                <a:latin typeface="Courier New" panose="02070309020205020404" pitchFamily="49" charset="0"/>
+                <a:cs typeface="Courier New" panose="02070309020205020404" pitchFamily="49" charset="0"/>
+              </a:rPr>
+              <a:t>functools.cache</a:t>
+            </a:r>
+            <a:r>
+              <a:rPr lang="da-DK" sz="2000" dirty="0"/>
+              <a:t> has problems </a:t>
+            </a:r>
+            <a:r>
+              <a:rPr lang="da-DK" sz="2000" dirty="0" err="1"/>
+              <a:t>when</a:t>
+            </a:r>
+            <a:r>
+              <a:rPr lang="da-DK" sz="2000" dirty="0"/>
+              <a:t> </a:t>
+            </a:r>
+            <a:r>
+              <a:rPr lang="da-DK" sz="2000" dirty="0" err="1"/>
+              <a:t>using</a:t>
+            </a:r>
+            <a:r>
+              <a:rPr lang="da-DK" sz="2000" dirty="0"/>
+              <a:t> </a:t>
+            </a:r>
+            <a:r>
+              <a:rPr lang="da-DK" sz="2000" dirty="0" err="1">
+                <a:latin typeface="Courier New" panose="02070309020205020404" pitchFamily="49" charset="0"/>
+                <a:cs typeface="Courier New" panose="02070309020205020404" pitchFamily="49" charset="0"/>
+              </a:rPr>
+              <a:t>sys.setrecursionlimit</a:t>
+            </a:r>
+            <a:r>
+              <a:rPr lang="da-DK" sz="2000" dirty="0"/>
+              <a:t> </a:t>
+            </a:r>
+            <a:br>
+              <a:rPr lang="da-DK" sz="2000" dirty="0"/>
+            </a:br>
+            <a:r>
+              <a:rPr lang="da-DK" sz="2000" dirty="0"/>
+              <a:t>(</a:t>
+            </a:r>
+            <a:r>
+              <a:rPr lang="da-DK" sz="2000" dirty="0" err="1"/>
+              <a:t>e.g</a:t>
+            </a:r>
+            <a:r>
+              <a:rPr lang="da-DK" sz="2000" dirty="0"/>
+              <a:t>. with Python 3.13 on Windows)</a:t>
+            </a:r>
           </a:p>
         </p:txBody>
       </p:sp>
@@ -29203,7 +29411,7 @@
         </p:nvSpPr>
         <p:spPr>
           <a:xfrm>
-            <a:off x="5988699" y="6315597"/>
+            <a:off x="5988699" y="6442619"/>
             <a:ext cx="6203301" cy="369332"/>
           </a:xfrm>
           <a:prstGeom prst="rect">
@@ -29216,6 +29424,7 @@
           </a:bodyPr>
           <a:lstStyle/>
           <a:p>
+            <a:pPr algn="r"/>
             <a:r>
               <a:rPr lang="en-US" dirty="0">
                 <a:solidFill>
@@ -29540,6 +29749,42 @@
           </a:graphicData>
         </a:graphic>
       </p:graphicFrame>
+      <p:pic>
+        <p:nvPicPr>
+          <p:cNvPr id="6" name="Picture 5">
+            <a:extLst>
+              <a:ext uri="{FF2B5EF4-FFF2-40B4-BE49-F238E27FC236}">
+                <a16:creationId xmlns:a16="http://schemas.microsoft.com/office/drawing/2014/main" id="{3E906D07-6105-2BBB-7212-A41BC8F2DD55}"/>
+              </a:ext>
+            </a:extLst>
+          </p:cNvPr>
+          <p:cNvPicPr>
+            <a:picLocks noChangeAspect="1"/>
+          </p:cNvPicPr>
+          <p:nvPr/>
+        </p:nvPicPr>
+        <p:blipFill>
+          <a:blip r:embed="rId4" cstate="print">
+            <a:extLst>
+              <a:ext uri="{28A0092B-C50C-407E-A947-70E740481C1C}">
+                <a14:useLocalDpi xmlns:a14="http://schemas.microsoft.com/office/drawing/2010/main" val="0"/>
+              </a:ext>
+            </a:extLst>
+          </a:blip>
+          <a:stretch>
+            <a:fillRect/>
+          </a:stretch>
+        </p:blipFill>
+        <p:spPr>
+          <a:xfrm>
+            <a:off x="9479583" y="5936690"/>
+            <a:ext cx="506810" cy="421838"/>
+          </a:xfrm>
+          <a:prstGeom prst="rect">
+            <a:avLst/>
+          </a:prstGeom>
+        </p:spPr>
+      </p:pic>
     </p:spTree>
     <p:extLst>
       <p:ext uri="{BB962C8B-B14F-4D97-AF65-F5344CB8AC3E}">

--- a/ipsa/slides/dynamic_programming.pptx
+++ b/ipsa/slides/dynamic_programming.pptx
@@ -138,7 +138,7 @@
 <file path=ppt/revisionInfo.xml><?xml version="1.0" encoding="utf-8"?>
 <p1510:revInfo xmlns:a="http://schemas.openxmlformats.org/drawingml/2006/main" xmlns:r="http://schemas.openxmlformats.org/officeDocument/2006/relationships" xmlns:p1510="http://schemas.microsoft.com/office/powerpoint/2015/10/main">
   <p1510:revLst>
-    <p1510:client id="{231CD4DA-6602-4AAE-A1EC-6809FECBDBA5}" v="11" dt="2024-11-28T00:06:15.882"/>
+    <p1510:client id="{882796F6-D19C-46A6-B13D-50D31961200E}" v="5" dt="2025-03-12T19:44:48.535"/>
   </p1510:revLst>
 </p1510:revInfo>
 </file>
@@ -158,14 +158,6 @@
           <pc:docMk/>
           <pc:sldMk cId="2137239356" sldId="775"/>
         </pc:sldMkLst>
-        <pc:graphicFrameChg chg="modGraphic">
-          <ac:chgData name="Gerth Stølting Brodal" userId="04ef4784-6591-4f86-a140-f5c3b108582a" providerId="ADAL" clId="{5E934D0D-E0ED-440B-BCC3-3ABCA8CDCAB1}" dt="2022-03-27T11:34:02.138" v="1" actId="20577"/>
-          <ac:graphicFrameMkLst>
-            <pc:docMk/>
-            <pc:sldMk cId="2137239356" sldId="775"/>
-            <ac:graphicFrameMk id="4" creationId="{00000000-0000-0000-0000-000000000000}"/>
-          </ac:graphicFrameMkLst>
-        </pc:graphicFrameChg>
       </pc:sldChg>
     </pc:docChg>
   </pc:docChgLst>
@@ -182,14 +174,6 @@
           <pc:docMk/>
           <pc:sldMk cId="2166608754" sldId="591"/>
         </pc:sldMkLst>
-        <pc:graphicFrameChg chg="modGraphic">
-          <ac:chgData name="Gerth Stølting Brodal" userId="04ef4784-6591-4f86-a140-f5c3b108582a" providerId="ADAL" clId="{77F58773-95E0-4B50-9119-D6D5F98CF104}" dt="2022-03-22T18:14:32.885" v="11" actId="20577"/>
-          <ac:graphicFrameMkLst>
-            <pc:docMk/>
-            <pc:sldMk cId="2166608754" sldId="591"/>
-            <ac:graphicFrameMk id="9" creationId="{00000000-0000-0000-0000-000000000000}"/>
-          </ac:graphicFrameMkLst>
-        </pc:graphicFrameChg>
       </pc:sldChg>
       <pc:sldChg chg="modSp">
         <pc:chgData name="Gerth Stølting Brodal" userId="04ef4784-6591-4f86-a140-f5c3b108582a" providerId="ADAL" clId="{77F58773-95E0-4B50-9119-D6D5F98CF104}" dt="2022-03-22T18:40:41" v="171" actId="20577"/>
@@ -197,14 +181,6 @@
           <pc:docMk/>
           <pc:sldMk cId="2336252860" sldId="713"/>
         </pc:sldMkLst>
-        <pc:spChg chg="mod">
-          <ac:chgData name="Gerth Stølting Brodal" userId="04ef4784-6591-4f86-a140-f5c3b108582a" providerId="ADAL" clId="{77F58773-95E0-4B50-9119-D6D5F98CF104}" dt="2022-03-22T18:40:41" v="171" actId="20577"/>
-          <ac:spMkLst>
-            <pc:docMk/>
-            <pc:sldMk cId="2336252860" sldId="713"/>
-            <ac:spMk id="5" creationId="{00000000-0000-0000-0000-000000000000}"/>
-          </ac:spMkLst>
-        </pc:spChg>
       </pc:sldChg>
       <pc:sldChg chg="modSp mod">
         <pc:chgData name="Gerth Stølting Brodal" userId="04ef4784-6591-4f86-a140-f5c3b108582a" providerId="ADAL" clId="{77F58773-95E0-4B50-9119-D6D5F98CF104}" dt="2022-03-22T19:59:17.368" v="291" actId="20577"/>
@@ -212,14 +188,6 @@
           <pc:docMk/>
           <pc:sldMk cId="1347015518" sldId="762"/>
         </pc:sldMkLst>
-        <pc:spChg chg="mod">
-          <ac:chgData name="Gerth Stølting Brodal" userId="04ef4784-6591-4f86-a140-f5c3b108582a" providerId="ADAL" clId="{77F58773-95E0-4B50-9119-D6D5F98CF104}" dt="2022-03-22T19:59:17.368" v="291" actId="20577"/>
-          <ac:spMkLst>
-            <pc:docMk/>
-            <pc:sldMk cId="1347015518" sldId="762"/>
-            <ac:spMk id="3" creationId="{00000000-0000-0000-0000-000000000000}"/>
-          </ac:spMkLst>
-        </pc:spChg>
       </pc:sldChg>
       <pc:sldChg chg="modSp mod">
         <pc:chgData name="Gerth Stølting Brodal" userId="04ef4784-6591-4f86-a140-f5c3b108582a" providerId="ADAL" clId="{77F58773-95E0-4B50-9119-D6D5F98CF104}" dt="2022-03-22T18:17:41.427" v="55" actId="20577"/>
@@ -227,38 +195,6 @@
           <pc:docMk/>
           <pc:sldMk cId="406105154" sldId="765"/>
         </pc:sldMkLst>
-        <pc:spChg chg="mod">
-          <ac:chgData name="Gerth Stølting Brodal" userId="04ef4784-6591-4f86-a140-f5c3b108582a" providerId="ADAL" clId="{77F58773-95E0-4B50-9119-D6D5F98CF104}" dt="2022-03-22T18:17:41.427" v="55" actId="20577"/>
-          <ac:spMkLst>
-            <pc:docMk/>
-            <pc:sldMk cId="406105154" sldId="765"/>
-            <ac:spMk id="2" creationId="{00000000-0000-0000-0000-000000000000}"/>
-          </ac:spMkLst>
-        </pc:spChg>
-        <pc:spChg chg="mod">
-          <ac:chgData name="Gerth Stølting Brodal" userId="04ef4784-6591-4f86-a140-f5c3b108582a" providerId="ADAL" clId="{77F58773-95E0-4B50-9119-D6D5F98CF104}" dt="2022-03-22T18:17:37.627" v="54" actId="1036"/>
-          <ac:spMkLst>
-            <pc:docMk/>
-            <pc:sldMk cId="406105154" sldId="765"/>
-            <ac:spMk id="3" creationId="{00000000-0000-0000-0000-000000000000}"/>
-          </ac:spMkLst>
-        </pc:spChg>
-        <pc:spChg chg="mod">
-          <ac:chgData name="Gerth Stølting Brodal" userId="04ef4784-6591-4f86-a140-f5c3b108582a" providerId="ADAL" clId="{77F58773-95E0-4B50-9119-D6D5F98CF104}" dt="2022-03-22T18:17:37.627" v="54" actId="1036"/>
-          <ac:spMkLst>
-            <pc:docMk/>
-            <pc:sldMk cId="406105154" sldId="765"/>
-            <ac:spMk id="4" creationId="{00000000-0000-0000-0000-000000000000}"/>
-          </ac:spMkLst>
-        </pc:spChg>
-        <pc:graphicFrameChg chg="mod modGraphic">
-          <ac:chgData name="Gerth Stølting Brodal" userId="04ef4784-6591-4f86-a140-f5c3b108582a" providerId="ADAL" clId="{77F58773-95E0-4B50-9119-D6D5F98CF104}" dt="2022-03-22T18:17:22.481" v="28" actId="1076"/>
-          <ac:graphicFrameMkLst>
-            <pc:docMk/>
-            <pc:sldMk cId="406105154" sldId="765"/>
-            <ac:graphicFrameMk id="5" creationId="{00000000-0000-0000-0000-000000000000}"/>
-          </ac:graphicFrameMkLst>
-        </pc:graphicFrameChg>
       </pc:sldChg>
       <pc:sldChg chg="modSp mod">
         <pc:chgData name="Gerth Stølting Brodal" userId="04ef4784-6591-4f86-a140-f5c3b108582a" providerId="ADAL" clId="{77F58773-95E0-4B50-9119-D6D5F98CF104}" dt="2022-03-22T18:23:43.395" v="68" actId="20577"/>
@@ -266,14 +202,6 @@
           <pc:docMk/>
           <pc:sldMk cId="3429451799" sldId="766"/>
         </pc:sldMkLst>
-        <pc:graphicFrameChg chg="mod modGraphic">
-          <ac:chgData name="Gerth Stølting Brodal" userId="04ef4784-6591-4f86-a140-f5c3b108582a" providerId="ADAL" clId="{77F58773-95E0-4B50-9119-D6D5F98CF104}" dt="2022-03-22T18:23:43.395" v="68" actId="20577"/>
-          <ac:graphicFrameMkLst>
-            <pc:docMk/>
-            <pc:sldMk cId="3429451799" sldId="766"/>
-            <ac:graphicFrameMk id="5" creationId="{00000000-0000-0000-0000-000000000000}"/>
-          </ac:graphicFrameMkLst>
-        </pc:graphicFrameChg>
       </pc:sldChg>
       <pc:sldChg chg="modSp mod">
         <pc:chgData name="Gerth Stølting Brodal" userId="04ef4784-6591-4f86-a140-f5c3b108582a" providerId="ADAL" clId="{77F58773-95E0-4B50-9119-D6D5F98CF104}" dt="2022-03-22T18:28:06.672" v="167" actId="1076"/>
@@ -281,30 +209,6 @@
           <pc:docMk/>
           <pc:sldMk cId="1651261074" sldId="768"/>
         </pc:sldMkLst>
-        <pc:spChg chg="mod">
-          <ac:chgData name="Gerth Stølting Brodal" userId="04ef4784-6591-4f86-a140-f5c3b108582a" providerId="ADAL" clId="{77F58773-95E0-4B50-9119-D6D5F98CF104}" dt="2022-03-22T18:24:10.541" v="70" actId="20577"/>
-          <ac:spMkLst>
-            <pc:docMk/>
-            <pc:sldMk cId="1651261074" sldId="768"/>
-            <ac:spMk id="2" creationId="{00000000-0000-0000-0000-000000000000}"/>
-          </ac:spMkLst>
-        </pc:spChg>
-        <pc:spChg chg="mod">
-          <ac:chgData name="Gerth Stølting Brodal" userId="04ef4784-6591-4f86-a140-f5c3b108582a" providerId="ADAL" clId="{77F58773-95E0-4B50-9119-D6D5F98CF104}" dt="2022-03-22T18:28:01.911" v="166" actId="1076"/>
-          <ac:spMkLst>
-            <pc:docMk/>
-            <pc:sldMk cId="1651261074" sldId="768"/>
-            <ac:spMk id="3" creationId="{00000000-0000-0000-0000-000000000000}"/>
-          </ac:spMkLst>
-        </pc:spChg>
-        <pc:graphicFrameChg chg="mod modGraphic">
-          <ac:chgData name="Gerth Stølting Brodal" userId="04ef4784-6591-4f86-a140-f5c3b108582a" providerId="ADAL" clId="{77F58773-95E0-4B50-9119-D6D5F98CF104}" dt="2022-03-22T18:28:06.672" v="167" actId="1076"/>
-          <ac:graphicFrameMkLst>
-            <pc:docMk/>
-            <pc:sldMk cId="1651261074" sldId="768"/>
-            <ac:graphicFrameMk id="5" creationId="{00000000-0000-0000-0000-000000000000}"/>
-          </ac:graphicFrameMkLst>
-        </pc:graphicFrameChg>
       </pc:sldChg>
       <pc:sldChg chg="modNotesTx">
         <pc:chgData name="Gerth Stølting Brodal" userId="04ef4784-6591-4f86-a140-f5c3b108582a" providerId="ADAL" clId="{77F58773-95E0-4B50-9119-D6D5F98CF104}" dt="2022-03-22T19:45:34.047" v="277" actId="20577"/>
@@ -319,14 +223,6 @@
           <pc:docMk/>
           <pc:sldMk cId="2693492495" sldId="770"/>
         </pc:sldMkLst>
-        <pc:graphicFrameChg chg="mod modGraphic">
-          <ac:chgData name="Gerth Stølting Brodal" userId="04ef4784-6591-4f86-a140-f5c3b108582a" providerId="ADAL" clId="{77F58773-95E0-4B50-9119-D6D5F98CF104}" dt="2022-03-22T18:45:06.745" v="179" actId="1076"/>
-          <ac:graphicFrameMkLst>
-            <pc:docMk/>
-            <pc:sldMk cId="2693492495" sldId="770"/>
-            <ac:graphicFrameMk id="5" creationId="{00000000-0000-0000-0000-000000000000}"/>
-          </ac:graphicFrameMkLst>
-        </pc:graphicFrameChg>
       </pc:sldChg>
       <pc:sldChg chg="modSp mod">
         <pc:chgData name="Gerth Stølting Brodal" userId="04ef4784-6591-4f86-a140-f5c3b108582a" providerId="ADAL" clId="{77F58773-95E0-4B50-9119-D6D5F98CF104}" dt="2022-03-22T18:55:45.676" v="188" actId="14734"/>
@@ -334,14 +230,6 @@
           <pc:docMk/>
           <pc:sldMk cId="3735983945" sldId="772"/>
         </pc:sldMkLst>
-        <pc:graphicFrameChg chg="modGraphic">
-          <ac:chgData name="Gerth Stølting Brodal" userId="04ef4784-6591-4f86-a140-f5c3b108582a" providerId="ADAL" clId="{77F58773-95E0-4B50-9119-D6D5F98CF104}" dt="2022-03-22T18:55:45.676" v="188" actId="14734"/>
-          <ac:graphicFrameMkLst>
-            <pc:docMk/>
-            <pc:sldMk cId="3735983945" sldId="772"/>
-            <ac:graphicFrameMk id="5" creationId="{00000000-0000-0000-0000-000000000000}"/>
-          </ac:graphicFrameMkLst>
-        </pc:graphicFrameChg>
       </pc:sldChg>
       <pc:sldChg chg="modSp mod">
         <pc:chgData name="Gerth Stølting Brodal" userId="04ef4784-6591-4f86-a140-f5c3b108582a" providerId="ADAL" clId="{77F58773-95E0-4B50-9119-D6D5F98CF104}" dt="2022-03-23T12:25:47.008" v="292" actId="114"/>
@@ -349,14 +237,6 @@
           <pc:docMk/>
           <pc:sldMk cId="949823138" sldId="778"/>
         </pc:sldMkLst>
-        <pc:graphicFrameChg chg="modGraphic">
-          <ac:chgData name="Gerth Stølting Brodal" userId="04ef4784-6591-4f86-a140-f5c3b108582a" providerId="ADAL" clId="{77F58773-95E0-4B50-9119-D6D5F98CF104}" dt="2022-03-23T12:25:47.008" v="292" actId="114"/>
-          <ac:graphicFrameMkLst>
-            <pc:docMk/>
-            <pc:sldMk cId="949823138" sldId="778"/>
-            <ac:graphicFrameMk id="5" creationId="{00000000-0000-0000-0000-000000000000}"/>
-          </ac:graphicFrameMkLst>
-        </pc:graphicFrameChg>
       </pc:sldChg>
     </pc:docChg>
   </pc:docChgLst>
@@ -373,46 +253,6 @@
           <pc:docMk/>
           <pc:sldMk cId="1651261074" sldId="768"/>
         </pc:sldMkLst>
-        <pc:spChg chg="mod">
-          <ac:chgData name="Gerth Stølting Brodal" userId="04ef4784-6591-4f86-a140-f5c3b108582a" providerId="ADAL" clId="{E6D98D54-2BE6-45FC-8353-A1E0922E1443}" dt="2021-03-24T12:56:45.073" v="74" actId="20577"/>
-          <ac:spMkLst>
-            <pc:docMk/>
-            <pc:sldMk cId="1651261074" sldId="768"/>
-            <ac:spMk id="3" creationId="{00000000-0000-0000-0000-000000000000}"/>
-          </ac:spMkLst>
-        </pc:spChg>
-        <pc:spChg chg="add del">
-          <ac:chgData name="Gerth Stølting Brodal" userId="04ef4784-6591-4f86-a140-f5c3b108582a" providerId="ADAL" clId="{E6D98D54-2BE6-45FC-8353-A1E0922E1443}" dt="2021-03-24T12:54:34.416" v="21"/>
-          <ac:spMkLst>
-            <pc:docMk/>
-            <pc:sldMk cId="1651261074" sldId="768"/>
-            <ac:spMk id="6" creationId="{6B50C49A-12B0-4D5F-BC27-17E62C473C6C}"/>
-          </ac:spMkLst>
-        </pc:spChg>
-        <pc:spChg chg="add del">
-          <ac:chgData name="Gerth Stølting Brodal" userId="04ef4784-6591-4f86-a140-f5c3b108582a" providerId="ADAL" clId="{E6D98D54-2BE6-45FC-8353-A1E0922E1443}" dt="2021-03-24T12:54:42.937" v="23"/>
-          <ac:spMkLst>
-            <pc:docMk/>
-            <pc:sldMk cId="1651261074" sldId="768"/>
-            <ac:spMk id="7" creationId="{47C5739B-3F75-4005-8848-F30CD407FCA8}"/>
-          </ac:spMkLst>
-        </pc:spChg>
-        <pc:spChg chg="add del">
-          <ac:chgData name="Gerth Stølting Brodal" userId="04ef4784-6591-4f86-a140-f5c3b108582a" providerId="ADAL" clId="{E6D98D54-2BE6-45FC-8353-A1E0922E1443}" dt="2021-03-24T12:55:35.912" v="32"/>
-          <ac:spMkLst>
-            <pc:docMk/>
-            <pc:sldMk cId="1651261074" sldId="768"/>
-            <ac:spMk id="8" creationId="{D8C32225-7267-40F1-8512-EB461523D8D8}"/>
-          </ac:spMkLst>
-        </pc:spChg>
-        <pc:graphicFrameChg chg="mod">
-          <ac:chgData name="Gerth Stølting Brodal" userId="04ef4784-6591-4f86-a140-f5c3b108582a" providerId="ADAL" clId="{E6D98D54-2BE6-45FC-8353-A1E0922E1443}" dt="2021-03-24T12:55:05.757" v="26" actId="1076"/>
-          <ac:graphicFrameMkLst>
-            <pc:docMk/>
-            <pc:sldMk cId="1651261074" sldId="768"/>
-            <ac:graphicFrameMk id="5" creationId="{00000000-0000-0000-0000-000000000000}"/>
-          </ac:graphicFrameMkLst>
-        </pc:graphicFrameChg>
       </pc:sldChg>
     </pc:docChg>
   </pc:docChgLst>
@@ -443,14 +283,6 @@
           <pc:docMk/>
           <pc:sldMk cId="2179044661" sldId="779"/>
         </pc:sldMkLst>
-        <pc:spChg chg="mod">
-          <ac:chgData name="Gerth Stølting Brodal" userId="04ef4784-6591-4f86-a140-f5c3b108582a" providerId="ADAL" clId="{EEFC9CB5-B621-4538-9B6B-9E706B2CA24E}" dt="2024-03-19T18:48:15.392" v="1" actId="20577"/>
-          <ac:spMkLst>
-            <pc:docMk/>
-            <pc:sldMk cId="2179044661" sldId="779"/>
-            <ac:spMk id="3" creationId="{00000000-0000-0000-0000-000000000000}"/>
-          </ac:spMkLst>
-        </pc:spChg>
       </pc:sldChg>
     </pc:docChg>
   </pc:docChgLst>
@@ -467,22 +299,6 @@
           <pc:docMk/>
           <pc:sldMk cId="147360573" sldId="468"/>
         </pc:sldMkLst>
-        <pc:spChg chg="mod">
-          <ac:chgData name="Gerth Stølting Brodal" userId="04ef4784-6591-4f86-a140-f5c3b108582a" providerId="ADAL" clId="{83752B0F-B9FA-4319-9D65-0FA02808F4AB}" dt="2023-03-22T12:05:29.205" v="48" actId="1076"/>
-          <ac:spMkLst>
-            <pc:docMk/>
-            <pc:sldMk cId="147360573" sldId="468"/>
-            <ac:spMk id="2" creationId="{00000000-0000-0000-0000-000000000000}"/>
-          </ac:spMkLst>
-        </pc:spChg>
-        <pc:spChg chg="mod">
-          <ac:chgData name="Gerth Stølting Brodal" userId="04ef4784-6591-4f86-a140-f5c3b108582a" providerId="ADAL" clId="{83752B0F-B9FA-4319-9D65-0FA02808F4AB}" dt="2023-03-22T12:05:25.161" v="47" actId="14100"/>
-          <ac:spMkLst>
-            <pc:docMk/>
-            <pc:sldMk cId="147360573" sldId="468"/>
-            <ac:spMk id="3" creationId="{00000000-0000-0000-0000-000000000000}"/>
-          </ac:spMkLst>
-        </pc:spChg>
       </pc:sldChg>
       <pc:sldChg chg="modSp mod modNotesTx">
         <pc:chgData name="Gerth Stølting Brodal" userId="04ef4784-6591-4f86-a140-f5c3b108582a" providerId="ADAL" clId="{83752B0F-B9FA-4319-9D65-0FA02808F4AB}" dt="2023-03-22T12:37:05.239" v="239" actId="20577"/>
@@ -490,14 +306,6 @@
           <pc:docMk/>
           <pc:sldMk cId="2336252860" sldId="713"/>
         </pc:sldMkLst>
-        <pc:spChg chg="mod">
-          <ac:chgData name="Gerth Stølting Brodal" userId="04ef4784-6591-4f86-a140-f5c3b108582a" providerId="ADAL" clId="{83752B0F-B9FA-4319-9D65-0FA02808F4AB}" dt="2023-03-22T12:37:05.239" v="239" actId="20577"/>
-          <ac:spMkLst>
-            <pc:docMk/>
-            <pc:sldMk cId="2336252860" sldId="713"/>
-            <ac:spMk id="3" creationId="{00000000-0000-0000-0000-000000000000}"/>
-          </ac:spMkLst>
-        </pc:spChg>
       </pc:sldChg>
       <pc:sldChg chg="modSp mod">
         <pc:chgData name="Gerth Stølting Brodal" userId="04ef4784-6591-4f86-a140-f5c3b108582a" providerId="ADAL" clId="{83752B0F-B9FA-4319-9D65-0FA02808F4AB}" dt="2023-03-22T12:08:31.205" v="52" actId="1076"/>
@@ -505,14 +313,6 @@
           <pc:docMk/>
           <pc:sldMk cId="2565521373" sldId="761"/>
         </pc:sldMkLst>
-        <pc:spChg chg="mod">
-          <ac:chgData name="Gerth Stølting Brodal" userId="04ef4784-6591-4f86-a140-f5c3b108582a" providerId="ADAL" clId="{83752B0F-B9FA-4319-9D65-0FA02808F4AB}" dt="2023-03-22T12:08:31.205" v="52" actId="1076"/>
-          <ac:spMkLst>
-            <pc:docMk/>
-            <pc:sldMk cId="2565521373" sldId="761"/>
-            <ac:spMk id="4" creationId="{00000000-0000-0000-0000-000000000000}"/>
-          </ac:spMkLst>
-        </pc:spChg>
       </pc:sldChg>
       <pc:sldChg chg="modNotesTx">
         <pc:chgData name="Gerth Stølting Brodal" userId="04ef4784-6591-4f86-a140-f5c3b108582a" providerId="ADAL" clId="{83752B0F-B9FA-4319-9D65-0FA02808F4AB}" dt="2023-03-22T12:27:48.596" v="190" actId="20577"/>
@@ -527,14 +327,6 @@
           <pc:docMk/>
           <pc:sldMk cId="2489620528" sldId="773"/>
         </pc:sldMkLst>
-        <pc:spChg chg="mod">
-          <ac:chgData name="Gerth Stølting Brodal" userId="04ef4784-6591-4f86-a140-f5c3b108582a" providerId="ADAL" clId="{83752B0F-B9FA-4319-9D65-0FA02808F4AB}" dt="2023-03-22T12:37:22.499" v="244" actId="20577"/>
-          <ac:spMkLst>
-            <pc:docMk/>
-            <pc:sldMk cId="2489620528" sldId="773"/>
-            <ac:spMk id="5" creationId="{00000000-0000-0000-0000-000000000000}"/>
-          </ac:spMkLst>
-        </pc:spChg>
       </pc:sldChg>
     </pc:docChg>
   </pc:docChgLst>
@@ -551,8 +343,24 @@
           <pc:docMk/>
           <pc:sldMk cId="1651261074" sldId="768"/>
         </pc:sldMkLst>
+      </pc:sldChg>
+    </pc:docChg>
+  </pc:docChgLst>
+  <pc:docChgLst>
+    <pc:chgData name="Gerth Stølting Brodal" userId="04ef4784-6591-4f86-a140-f5c3b108582a" providerId="ADAL" clId="{882796F6-D19C-46A6-B13D-50D31961200E}"/>
+    <pc:docChg chg="custSel modSld">
+      <pc:chgData name="Gerth Stølting Brodal" userId="04ef4784-6591-4f86-a140-f5c3b108582a" providerId="ADAL" clId="{882796F6-D19C-46A6-B13D-50D31961200E}" dt="2025-03-12T19:48:12.704" v="30" actId="478"/>
+      <pc:docMkLst>
+        <pc:docMk/>
+      </pc:docMkLst>
+      <pc:sldChg chg="modSp mod">
+        <pc:chgData name="Gerth Stølting Brodal" userId="04ef4784-6591-4f86-a140-f5c3b108582a" providerId="ADAL" clId="{882796F6-D19C-46A6-B13D-50D31961200E}" dt="2025-03-12T19:32:39.195" v="11" actId="20577"/>
+        <pc:sldMkLst>
+          <pc:docMk/>
+          <pc:sldMk cId="1651261074" sldId="768"/>
+        </pc:sldMkLst>
         <pc:spChg chg="mod">
-          <ac:chgData name="Gerth Stølting Brodal" userId="04ef4784-6591-4f86-a140-f5c3b108582a" providerId="ADAL" clId="{231CD4DA-6602-4AAE-A1EC-6809FECBDBA5}" dt="2024-11-28T00:07:10.748" v="201" actId="1038"/>
+          <ac:chgData name="Gerth Stølting Brodal" userId="04ef4784-6591-4f86-a140-f5c3b108582a" providerId="ADAL" clId="{882796F6-D19C-46A6-B13D-50D31961200E}" dt="2025-03-12T19:31:53.248" v="6" actId="20577"/>
           <ac:spMkLst>
             <pc:docMk/>
             <pc:sldMk cId="1651261074" sldId="768"/>
@@ -560,21 +368,67 @@
           </ac:spMkLst>
         </pc:spChg>
         <pc:spChg chg="mod">
-          <ac:chgData name="Gerth Stølting Brodal" userId="04ef4784-6591-4f86-a140-f5c3b108582a" providerId="ADAL" clId="{231CD4DA-6602-4AAE-A1EC-6809FECBDBA5}" dt="2024-11-28T00:06:01.711" v="161" actId="121"/>
+          <ac:chgData name="Gerth Stølting Brodal" userId="04ef4784-6591-4f86-a140-f5c3b108582a" providerId="ADAL" clId="{882796F6-D19C-46A6-B13D-50D31961200E}" dt="2025-03-12T19:32:39.195" v="11" actId="20577"/>
           <ac:spMkLst>
             <pc:docMk/>
             <pc:sldMk cId="1651261074" sldId="768"/>
             <ac:spMk id="4" creationId="{00000000-0000-0000-0000-000000000000}"/>
           </ac:spMkLst>
         </pc:spChg>
-        <pc:picChg chg="add mod">
-          <ac:chgData name="Gerth Stølting Brodal" userId="04ef4784-6591-4f86-a140-f5c3b108582a" providerId="ADAL" clId="{231CD4DA-6602-4AAE-A1EC-6809FECBDBA5}" dt="2024-11-28T00:07:10.748" v="201" actId="1038"/>
+        <pc:picChg chg="mod">
+          <ac:chgData name="Gerth Stølting Brodal" userId="04ef4784-6591-4f86-a140-f5c3b108582a" providerId="ADAL" clId="{882796F6-D19C-46A6-B13D-50D31961200E}" dt="2025-03-12T19:31:59.667" v="7" actId="1076"/>
           <ac:picMkLst>
             <pc:docMk/>
             <pc:sldMk cId="1651261074" sldId="768"/>
             <ac:picMk id="6" creationId="{3E906D07-6105-2BBB-7212-A41BC8F2DD55}"/>
           </ac:picMkLst>
         </pc:picChg>
+      </pc:sldChg>
+      <pc:sldChg chg="addSp modSp mod">
+        <pc:chgData name="Gerth Stølting Brodal" userId="04ef4784-6591-4f86-a140-f5c3b108582a" providerId="ADAL" clId="{882796F6-D19C-46A6-B13D-50D31961200E}" dt="2025-03-12T19:38:41.889" v="26" actId="1582"/>
+        <pc:sldMkLst>
+          <pc:docMk/>
+          <pc:sldMk cId="2693492495" sldId="770"/>
+        </pc:sldMkLst>
+        <pc:spChg chg="add mod">
+          <ac:chgData name="Gerth Stølting Brodal" userId="04ef4784-6591-4f86-a140-f5c3b108582a" providerId="ADAL" clId="{882796F6-D19C-46A6-B13D-50D31961200E}" dt="2025-03-12T19:38:41.889" v="26" actId="1582"/>
+          <ac:spMkLst>
+            <pc:docMk/>
+            <pc:sldMk cId="2693492495" sldId="770"/>
+            <ac:spMk id="3" creationId="{7FD0A2BA-4BE1-F9C8-49AA-E28D5CC7684C}"/>
+          </ac:spMkLst>
+        </pc:spChg>
+        <pc:graphicFrameChg chg="mod">
+          <ac:chgData name="Gerth Stølting Brodal" userId="04ef4784-6591-4f86-a140-f5c3b108582a" providerId="ADAL" clId="{882796F6-D19C-46A6-B13D-50D31961200E}" dt="2025-03-12T19:38:11.218" v="24" actId="1035"/>
+          <ac:graphicFrameMkLst>
+            <pc:docMk/>
+            <pc:sldMk cId="2693492495" sldId="770"/>
+            <ac:graphicFrameMk id="5" creationId="{00000000-0000-0000-0000-000000000000}"/>
+          </ac:graphicFrameMkLst>
+        </pc:graphicFrameChg>
+      </pc:sldChg>
+      <pc:sldChg chg="addSp delSp modSp mod">
+        <pc:chgData name="Gerth Stølting Brodal" userId="04ef4784-6591-4f86-a140-f5c3b108582a" providerId="ADAL" clId="{882796F6-D19C-46A6-B13D-50D31961200E}" dt="2025-03-12T19:48:12.704" v="30" actId="478"/>
+        <pc:sldMkLst>
+          <pc:docMk/>
+          <pc:sldMk cId="3735983945" sldId="772"/>
+        </pc:sldMkLst>
+        <pc:spChg chg="add del mod">
+          <ac:chgData name="Gerth Stølting Brodal" userId="04ef4784-6591-4f86-a140-f5c3b108582a" providerId="ADAL" clId="{882796F6-D19C-46A6-B13D-50D31961200E}" dt="2025-03-12T19:48:12.704" v="30" actId="478"/>
+          <ac:spMkLst>
+            <pc:docMk/>
+            <pc:sldMk cId="3735983945" sldId="772"/>
+            <ac:spMk id="3" creationId="{6BD12356-5854-37F6-5EAC-566C037A1D64}"/>
+          </ac:spMkLst>
+        </pc:spChg>
+        <pc:graphicFrameChg chg="mod">
+          <ac:chgData name="Gerth Stølting Brodal" userId="04ef4784-6591-4f86-a140-f5c3b108582a" providerId="ADAL" clId="{882796F6-D19C-46A6-B13D-50D31961200E}" dt="2025-03-12T19:44:59.384" v="29" actId="1076"/>
+          <ac:graphicFrameMkLst>
+            <pc:docMk/>
+            <pc:sldMk cId="3735983945" sldId="772"/>
+            <ac:graphicFrameMk id="5" creationId="{00000000-0000-0000-0000-000000000000}"/>
+          </ac:graphicFrameMkLst>
+        </pc:graphicFrameChg>
       </pc:sldChg>
     </pc:docChg>
   </pc:docChgLst>
@@ -663,7 +517,7 @@
           <a:p>
             <a:fld id="{FB1A172F-81D4-4DC4-9113-1DBD56EC3646}" type="datetimeFigureOut">
               <a:rPr lang="en-US" smtClean="0"/>
-              <a:t>11/28/2024</a:t>
+              <a:t>3/12/2025</a:t>
             </a:fld>
             <a:endParaRPr lang="en-US"/>
           </a:p>
@@ -2369,7 +2223,7 @@
           <a:p>
             <a:fld id="{0560A9CD-0304-4E0B-9E82-E7E0115DE05B}" type="datetimeFigureOut">
               <a:rPr lang="en-US" smtClean="0"/>
-              <a:t>11/28/2024</a:t>
+              <a:t>3/12/2025</a:t>
             </a:fld>
             <a:endParaRPr lang="en-US"/>
           </a:p>
@@ -2537,7 +2391,7 @@
           <a:p>
             <a:fld id="{0560A9CD-0304-4E0B-9E82-E7E0115DE05B}" type="datetimeFigureOut">
               <a:rPr lang="en-US" smtClean="0"/>
-              <a:t>11/28/2024</a:t>
+              <a:t>3/12/2025</a:t>
             </a:fld>
             <a:endParaRPr lang="en-US"/>
           </a:p>
@@ -2715,7 +2569,7 @@
           <a:p>
             <a:fld id="{0560A9CD-0304-4E0B-9E82-E7E0115DE05B}" type="datetimeFigureOut">
               <a:rPr lang="en-US" smtClean="0"/>
-              <a:t>11/28/2024</a:t>
+              <a:t>3/12/2025</a:t>
             </a:fld>
             <a:endParaRPr lang="en-US"/>
           </a:p>
@@ -2898,7 +2752,7 @@
           <a:p>
             <a:fld id="{0560A9CD-0304-4E0B-9E82-E7E0115DE05B}" type="datetimeFigureOut">
               <a:rPr lang="en-US" smtClean="0"/>
-              <a:t>11/28/2024</a:t>
+              <a:t>3/12/2025</a:t>
             </a:fld>
             <a:endParaRPr lang="en-US"/>
           </a:p>
@@ -3143,7 +2997,7 @@
           <a:p>
             <a:fld id="{0560A9CD-0304-4E0B-9E82-E7E0115DE05B}" type="datetimeFigureOut">
               <a:rPr lang="en-US" smtClean="0"/>
-              <a:t>11/28/2024</a:t>
+              <a:t>3/12/2025</a:t>
             </a:fld>
             <a:endParaRPr lang="en-US"/>
           </a:p>
@@ -3372,7 +3226,7 @@
           <a:p>
             <a:fld id="{0560A9CD-0304-4E0B-9E82-E7E0115DE05B}" type="datetimeFigureOut">
               <a:rPr lang="en-US" smtClean="0"/>
-              <a:t>11/28/2024</a:t>
+              <a:t>3/12/2025</a:t>
             </a:fld>
             <a:endParaRPr lang="en-US"/>
           </a:p>
@@ -3736,7 +3590,7 @@
           <a:p>
             <a:fld id="{0560A9CD-0304-4E0B-9E82-E7E0115DE05B}" type="datetimeFigureOut">
               <a:rPr lang="en-US" smtClean="0"/>
-              <a:t>11/28/2024</a:t>
+              <a:t>3/12/2025</a:t>
             </a:fld>
             <a:endParaRPr lang="en-US"/>
           </a:p>
@@ -3853,7 +3707,7 @@
           <a:p>
             <a:fld id="{0560A9CD-0304-4E0B-9E82-E7E0115DE05B}" type="datetimeFigureOut">
               <a:rPr lang="en-US" smtClean="0"/>
-              <a:t>11/28/2024</a:t>
+              <a:t>3/12/2025</a:t>
             </a:fld>
             <a:endParaRPr lang="en-US"/>
           </a:p>
@@ -3948,7 +3802,7 @@
           <a:p>
             <a:fld id="{0560A9CD-0304-4E0B-9E82-E7E0115DE05B}" type="datetimeFigureOut">
               <a:rPr lang="en-US" smtClean="0"/>
-              <a:t>11/28/2024</a:t>
+              <a:t>3/12/2025</a:t>
             </a:fld>
             <a:endParaRPr lang="en-US"/>
           </a:p>
@@ -4223,7 +4077,7 @@
           <a:p>
             <a:fld id="{0560A9CD-0304-4E0B-9E82-E7E0115DE05B}" type="datetimeFigureOut">
               <a:rPr lang="en-US" smtClean="0"/>
-              <a:t>11/28/2024</a:t>
+              <a:t>3/12/2025</a:t>
             </a:fld>
             <a:endParaRPr lang="en-US"/>
           </a:p>
@@ -4475,7 +4329,7 @@
           <a:p>
             <a:fld id="{0560A9CD-0304-4E0B-9E82-E7E0115DE05B}" type="datetimeFigureOut">
               <a:rPr lang="en-US" smtClean="0"/>
-              <a:t>11/28/2024</a:t>
+              <a:t>3/12/2025</a:t>
             </a:fld>
             <a:endParaRPr lang="en-US"/>
           </a:p>
@@ -4686,7 +4540,7 @@
           <a:p>
             <a:fld id="{0560A9CD-0304-4E0B-9E82-E7E0115DE05B}" type="datetimeFigureOut">
               <a:rPr lang="en-US" smtClean="0"/>
-              <a:t>11/28/2024</a:t>
+              <a:t>3/12/2025</a:t>
             </a:fld>
             <a:endParaRPr lang="en-US"/>
           </a:p>
@@ -5278,13 +5132,13 @@
           <p:nvPr>
             <p:extLst>
               <p:ext uri="{D42A27DB-BD31-4B8C-83A1-F6EECF244321}">
-                <p14:modId xmlns:p14="http://schemas.microsoft.com/office/powerpoint/2010/main" val="1585193184"/>
+                <p14:modId xmlns:p14="http://schemas.microsoft.com/office/powerpoint/2010/main" val="763383411"/>
               </p:ext>
             </p:extLst>
           </p:nvPr>
         </p:nvGraphicFramePr>
         <p:xfrm>
-          <a:off x="1294447" y="1936754"/>
+          <a:off x="1294447" y="1821007"/>
           <a:ext cx="9603105" cy="4008120"/>
         </p:xfrm>
         <a:graphic>
@@ -5991,6 +5845,689 @@
           </a:graphicData>
         </a:graphic>
       </p:graphicFrame>
+      <mc:AlternateContent xmlns:mc="http://schemas.openxmlformats.org/markup-compatibility/2006">
+        <mc:Choice xmlns:a14="http://schemas.microsoft.com/office/drawing/2010/main" Requires="a14">
+          <p:sp>
+            <p:nvSpPr>
+              <p:cNvPr id="3" name="Content Placeholder 2">
+                <a:extLst>
+                  <a:ext uri="{FF2B5EF4-FFF2-40B4-BE49-F238E27FC236}">
+                    <a16:creationId xmlns:a16="http://schemas.microsoft.com/office/drawing/2014/main" id="{7FD0A2BA-4BE1-F9C8-49AA-E28D5CC7684C}"/>
+                  </a:ext>
+                </a:extLst>
+              </p:cNvPr>
+              <p:cNvSpPr txBox="1">
+                <a:spLocks/>
+              </p:cNvSpPr>
+              <p:nvPr/>
+            </p:nvSpPr>
+            <p:spPr>
+              <a:xfrm>
+                <a:off x="5926237" y="5681077"/>
+                <a:ext cx="6132381" cy="1019725"/>
+              </a:xfrm>
+              <a:prstGeom prst="rect">
+                <a:avLst/>
+              </a:prstGeom>
+              <a:solidFill>
+                <a:schemeClr val="accent2">
+                  <a:lumMod val="20000"/>
+                  <a:lumOff val="80000"/>
+                </a:schemeClr>
+              </a:solidFill>
+              <a:ln w="3175">
+                <a:solidFill>
+                  <a:schemeClr val="tx1"/>
+                </a:solidFill>
+              </a:ln>
+            </p:spPr>
+            <p:txBody>
+              <a:bodyPr vert="horz" lIns="91440" tIns="45720" rIns="91440" bIns="45720" rtlCol="0" anchor="ctr">
+                <a:normAutofit/>
+              </a:bodyPr>
+              <a:lstStyle>
+                <a:lvl1pPr marL="357188" indent="-357188" algn="l" defTabSz="914400" rtl="0" eaLnBrk="1" latinLnBrk="0" hangingPunct="1">
+                  <a:lnSpc>
+                    <a:spcPct val="90000"/>
+                  </a:lnSpc>
+                  <a:spcBef>
+                    <a:spcPts val="1000"/>
+                  </a:spcBef>
+                  <a:buClr>
+                    <a:srgbClr val="C00000"/>
+                  </a:buClr>
+                  <a:buFont typeface="Wingdings" panose="05000000000000000000" pitchFamily="2" charset="2"/>
+                  <a:buChar char="§"/>
+                  <a:defRPr sz="2800" kern="1200">
+                    <a:solidFill>
+                      <a:schemeClr val="tx1"/>
+                    </a:solidFill>
+                    <a:latin typeface="+mn-lt"/>
+                    <a:ea typeface="+mn-ea"/>
+                    <a:cs typeface="+mn-cs"/>
+                  </a:defRPr>
+                </a:lvl1pPr>
+                <a:lvl2pPr marL="685800" indent="-228600" algn="l" defTabSz="914400" rtl="0" eaLnBrk="1" latinLnBrk="0" hangingPunct="1">
+                  <a:lnSpc>
+                    <a:spcPct val="90000"/>
+                  </a:lnSpc>
+                  <a:spcBef>
+                    <a:spcPts val="500"/>
+                  </a:spcBef>
+                  <a:buClr>
+                    <a:srgbClr val="C00000"/>
+                  </a:buClr>
+                  <a:buFont typeface="Arial" panose="020B0604020202020204" pitchFamily="34" charset="0"/>
+                  <a:buChar char="•"/>
+                  <a:defRPr sz="2400" kern="1200">
+                    <a:solidFill>
+                      <a:schemeClr val="tx1"/>
+                    </a:solidFill>
+                    <a:latin typeface="+mn-lt"/>
+                    <a:ea typeface="+mn-ea"/>
+                    <a:cs typeface="+mn-cs"/>
+                  </a:defRPr>
+                </a:lvl2pPr>
+                <a:lvl3pPr marL="1143000" indent="-228600" algn="l" defTabSz="914400" rtl="0" eaLnBrk="1" latinLnBrk="0" hangingPunct="1">
+                  <a:lnSpc>
+                    <a:spcPct val="90000"/>
+                  </a:lnSpc>
+                  <a:spcBef>
+                    <a:spcPts val="500"/>
+                  </a:spcBef>
+                  <a:buFont typeface="Arial" panose="020B0604020202020204" pitchFamily="34" charset="0"/>
+                  <a:buChar char="•"/>
+                  <a:defRPr sz="2000" kern="1200">
+                    <a:solidFill>
+                      <a:schemeClr val="tx1"/>
+                    </a:solidFill>
+                    <a:latin typeface="+mn-lt"/>
+                    <a:ea typeface="+mn-ea"/>
+                    <a:cs typeface="+mn-cs"/>
+                  </a:defRPr>
+                </a:lvl3pPr>
+                <a:lvl4pPr marL="1600200" indent="-228600" algn="l" defTabSz="914400" rtl="0" eaLnBrk="1" latinLnBrk="0" hangingPunct="1">
+                  <a:lnSpc>
+                    <a:spcPct val="90000"/>
+                  </a:lnSpc>
+                  <a:spcBef>
+                    <a:spcPts val="500"/>
+                  </a:spcBef>
+                  <a:buFont typeface="Arial" panose="020B0604020202020204" pitchFamily="34" charset="0"/>
+                  <a:buChar char="•"/>
+                  <a:defRPr sz="1800" kern="1200">
+                    <a:solidFill>
+                      <a:schemeClr val="tx1"/>
+                    </a:solidFill>
+                    <a:latin typeface="+mn-lt"/>
+                    <a:ea typeface="+mn-ea"/>
+                    <a:cs typeface="+mn-cs"/>
+                  </a:defRPr>
+                </a:lvl4pPr>
+                <a:lvl5pPr marL="2057400" indent="-228600" algn="l" defTabSz="914400" rtl="0" eaLnBrk="1" latinLnBrk="0" hangingPunct="1">
+                  <a:lnSpc>
+                    <a:spcPct val="90000"/>
+                  </a:lnSpc>
+                  <a:spcBef>
+                    <a:spcPts val="500"/>
+                  </a:spcBef>
+                  <a:buFont typeface="Arial" panose="020B0604020202020204" pitchFamily="34" charset="0"/>
+                  <a:buChar char="•"/>
+                  <a:defRPr sz="1800" kern="1200">
+                    <a:solidFill>
+                      <a:schemeClr val="tx1"/>
+                    </a:solidFill>
+                    <a:latin typeface="+mn-lt"/>
+                    <a:ea typeface="+mn-ea"/>
+                    <a:cs typeface="+mn-cs"/>
+                  </a:defRPr>
+                </a:lvl5pPr>
+                <a:lvl6pPr marL="2514600" indent="-228600" algn="l" defTabSz="914400" rtl="0" eaLnBrk="1" latinLnBrk="0" hangingPunct="1">
+                  <a:lnSpc>
+                    <a:spcPct val="90000"/>
+                  </a:lnSpc>
+                  <a:spcBef>
+                    <a:spcPts val="500"/>
+                  </a:spcBef>
+                  <a:buFont typeface="Arial" panose="020B0604020202020204" pitchFamily="34" charset="0"/>
+                  <a:buChar char="•"/>
+                  <a:defRPr sz="1800" kern="1200">
+                    <a:solidFill>
+                      <a:schemeClr val="tx1"/>
+                    </a:solidFill>
+                    <a:latin typeface="+mn-lt"/>
+                    <a:ea typeface="+mn-ea"/>
+                    <a:cs typeface="+mn-cs"/>
+                  </a:defRPr>
+                </a:lvl6pPr>
+                <a:lvl7pPr marL="2971800" indent="-228600" algn="l" defTabSz="914400" rtl="0" eaLnBrk="1" latinLnBrk="0" hangingPunct="1">
+                  <a:lnSpc>
+                    <a:spcPct val="90000"/>
+                  </a:lnSpc>
+                  <a:spcBef>
+                    <a:spcPts val="500"/>
+                  </a:spcBef>
+                  <a:buFont typeface="Arial" panose="020B0604020202020204" pitchFamily="34" charset="0"/>
+                  <a:buChar char="•"/>
+                  <a:defRPr sz="1800" kern="1200">
+                    <a:solidFill>
+                      <a:schemeClr val="tx1"/>
+                    </a:solidFill>
+                    <a:latin typeface="+mn-lt"/>
+                    <a:ea typeface="+mn-ea"/>
+                    <a:cs typeface="+mn-cs"/>
+                  </a:defRPr>
+                </a:lvl7pPr>
+                <a:lvl8pPr marL="3429000" indent="-228600" algn="l" defTabSz="914400" rtl="0" eaLnBrk="1" latinLnBrk="0" hangingPunct="1">
+                  <a:lnSpc>
+                    <a:spcPct val="90000"/>
+                  </a:lnSpc>
+                  <a:spcBef>
+                    <a:spcPts val="500"/>
+                  </a:spcBef>
+                  <a:buFont typeface="Arial" panose="020B0604020202020204" pitchFamily="34" charset="0"/>
+                  <a:buChar char="•"/>
+                  <a:defRPr sz="1800" kern="1200">
+                    <a:solidFill>
+                      <a:schemeClr val="tx1"/>
+                    </a:solidFill>
+                    <a:latin typeface="+mn-lt"/>
+                    <a:ea typeface="+mn-ea"/>
+                    <a:cs typeface="+mn-cs"/>
+                  </a:defRPr>
+                </a:lvl8pPr>
+                <a:lvl9pPr marL="3886200" indent="-228600" algn="l" defTabSz="914400" rtl="0" eaLnBrk="1" latinLnBrk="0" hangingPunct="1">
+                  <a:lnSpc>
+                    <a:spcPct val="90000"/>
+                  </a:lnSpc>
+                  <a:spcBef>
+                    <a:spcPts val="500"/>
+                  </a:spcBef>
+                  <a:buFont typeface="Arial" panose="020B0604020202020204" pitchFamily="34" charset="0"/>
+                  <a:buChar char="•"/>
+                  <a:defRPr sz="1800" kern="1200">
+                    <a:solidFill>
+                      <a:schemeClr val="tx1"/>
+                    </a:solidFill>
+                    <a:latin typeface="+mn-lt"/>
+                    <a:ea typeface="+mn-ea"/>
+                    <a:cs typeface="+mn-cs"/>
+                  </a:defRPr>
+                </a:lvl9pPr>
+              </a:lstStyle>
+              <a:p>
+                <a:pPr marL="0" indent="0">
+                  <a:buFont typeface="Wingdings" panose="05000000000000000000" pitchFamily="2" charset="2"/>
+                  <a:buNone/>
+                </a:pPr>
+                <a14:m>
+                  <m:oMathPara xmlns:m="http://schemas.openxmlformats.org/officeDocument/2006/math">
+                    <m:oMathParaPr>
+                      <m:jc m:val="centerGroup"/>
+                    </m:oMathParaPr>
+                    <m:oMath xmlns:m="http://schemas.openxmlformats.org/officeDocument/2006/math">
+                      <m:r>
+                        <m:rPr>
+                          <m:nor/>
+                        </m:rPr>
+                        <a:rPr lang="da-DK" sz="1800" b="0" i="0" smtClean="0"/>
+                        <m:t>S</m:t>
+                      </m:r>
+                      <m:r>
+                        <m:rPr>
+                          <m:nor/>
+                        </m:rPr>
+                        <a:rPr lang="da-DK" sz="1800" b="0" i="0" smtClean="0"/>
+                        <m:t>(</m:t>
+                      </m:r>
+                      <m:r>
+                        <m:rPr>
+                          <m:nor/>
+                        </m:rPr>
+                        <a:rPr lang="da-DK" sz="1800" b="0" i="0" smtClean="0"/>
+                        <m:t>v</m:t>
+                      </m:r>
+                      <m:r>
+                        <m:rPr>
+                          <m:nor/>
+                        </m:rPr>
+                        <a:rPr lang="da-DK" sz="1800" b="0" i="0" smtClean="0"/>
+                        <m:t>, </m:t>
+                      </m:r>
+                      <m:r>
+                        <m:rPr>
+                          <m:nor/>
+                        </m:rPr>
+                        <a:rPr lang="da-DK" sz="1800" b="0" i="0" smtClean="0"/>
+                        <m:t>k</m:t>
+                      </m:r>
+                      <m:r>
+                        <m:rPr>
+                          <m:nor/>
+                        </m:rPr>
+                        <a:rPr lang="da-DK" sz="1800" b="0" i="0" smtClean="0"/>
+                        <m:t>) = </m:t>
+                      </m:r>
+                      <m:d>
+                        <m:dPr>
+                          <m:begChr m:val="{"/>
+                          <m:endChr m:val=""/>
+                          <m:ctrlPr>
+                            <a:rPr lang="da-DK" sz="1800" i="1" smtClean="0">
+                              <a:latin typeface="Cambria Math" panose="02040503050406030204" pitchFamily="18" charset="0"/>
+                            </a:rPr>
+                          </m:ctrlPr>
+                        </m:dPr>
+                        <m:e>
+                          <m:m>
+                            <m:mPr>
+                              <m:mcs>
+                                <m:mc>
+                                  <m:mcPr>
+                                    <m:count m:val="2"/>
+                                    <m:mcJc m:val="center"/>
+                                  </m:mcPr>
+                                </m:mc>
+                              </m:mcs>
+                              <m:ctrlPr>
+                                <a:rPr lang="da-DK" sz="1800" i="1" smtClean="0">
+                                  <a:latin typeface="Cambria Math" panose="02040503050406030204" pitchFamily="18" charset="0"/>
+                                </a:rPr>
+                              </m:ctrlPr>
+                            </m:mPr>
+                            <m:mr>
+                              <m:e>
+                                <m:eqArr>
+                                  <m:eqArrPr>
+                                    <m:ctrlPr>
+                                      <a:rPr lang="da-DK" sz="1800" b="0" i="1" smtClean="0">
+                                        <a:latin typeface="Cambria Math" panose="02040503050406030204" pitchFamily="18" charset="0"/>
+                                      </a:rPr>
+                                    </m:ctrlPr>
+                                  </m:eqArrPr>
+                                  <m:e>
+                                    <m:r>
+                                      <m:rPr>
+                                        <m:nor/>
+                                        <m:brk m:alnAt="7"/>
+                                      </m:rPr>
+                                      <a:rPr lang="da-DK" sz="1800" b="0" i="0" smtClean="0"/>
+                                      <m:t>T</m:t>
+                                    </m:r>
+                                    <m:r>
+                                      <m:rPr>
+                                        <m:nor/>
+                                      </m:rPr>
+                                      <a:rPr lang="da-DK" sz="1800" b="0" i="0" smtClean="0"/>
+                                      <m:t>rue</m:t>
+                                    </m:r>
+                                  </m:e>
+                                  <m:e>
+                                    <m:r>
+                                      <m:rPr>
+                                        <m:nor/>
+                                      </m:rPr>
+                                      <a:rPr lang="da-DK" sz="1800" b="0" i="0" smtClean="0"/>
+                                      <m:t>False</m:t>
+                                    </m:r>
+                                  </m:e>
+                                </m:eqArr>
+                              </m:e>
+                              <m:e>
+                                <m:eqArr>
+                                  <m:eqArrPr>
+                                    <m:ctrlPr>
+                                      <a:rPr lang="da-DK" sz="1800" i="1" smtClean="0">
+                                        <a:latin typeface="Cambria Math" panose="02040503050406030204" pitchFamily="18" charset="0"/>
+                                      </a:rPr>
+                                    </m:ctrlPr>
+                                  </m:eqArrPr>
+                                  <m:e>
+                                    <m:r>
+                                      <m:rPr>
+                                        <m:nor/>
+                                      </m:rPr>
+                                      <a:rPr lang="da-DK" sz="1800" smtClean="0"/>
+                                      <m:t>if</m:t>
+                                    </m:r>
+                                    <m:r>
+                                      <m:rPr>
+                                        <m:nor/>
+                                      </m:rPr>
+                                      <a:rPr lang="da-DK" sz="1800" smtClean="0"/>
+                                      <m:t> </m:t>
+                                    </m:r>
+                                    <m:r>
+                                      <m:rPr>
+                                        <m:nor/>
+                                      </m:rPr>
+                                      <a:rPr lang="da-DK" sz="1800" b="0" i="0" smtClean="0"/>
+                                      <m:t>k</m:t>
+                                    </m:r>
+                                    <m:r>
+                                      <m:rPr>
+                                        <m:nor/>
+                                      </m:rPr>
+                                      <a:rPr lang="da-DK" sz="1800" b="0" i="0" smtClean="0"/>
+                                      <m:t> = 0 </m:t>
+                                    </m:r>
+                                    <m:r>
+                                      <m:rPr>
+                                        <m:nor/>
+                                      </m:rPr>
+                                      <a:rPr lang="da-DK" sz="1800" b="0" i="0" smtClean="0"/>
+                                      <m:t>and</m:t>
+                                    </m:r>
+                                    <m:r>
+                                      <m:rPr>
+                                        <m:nor/>
+                                      </m:rPr>
+                                      <a:rPr lang="da-DK" sz="1800" smtClean="0"/>
+                                      <m:t> </m:t>
+                                    </m:r>
+                                    <m:r>
+                                      <m:rPr>
+                                        <m:nor/>
+                                      </m:rPr>
+                                      <a:rPr lang="da-DK" sz="1800" b="0" i="0" smtClean="0"/>
+                                      <m:t>v</m:t>
+                                    </m:r>
+                                    <m:r>
+                                      <m:rPr>
+                                        <m:nor/>
+                                      </m:rPr>
+                                      <a:rPr lang="da-DK" sz="1800" b="0" i="0" smtClean="0"/>
+                                      <m:t> = 0</m:t>
+                                    </m:r>
+                                  </m:e>
+                                  <m:e>
+                                    <m:r>
+                                      <m:rPr>
+                                        <m:nor/>
+                                      </m:rPr>
+                                      <a:rPr lang="da-DK" sz="1800" b="0" i="0" smtClean="0"/>
+                                      <m:t>if</m:t>
+                                    </m:r>
+                                    <m:r>
+                                      <m:rPr>
+                                        <m:nor/>
+                                      </m:rPr>
+                                      <a:rPr lang="da-DK" sz="1800" b="0" i="0" smtClean="0"/>
+                                      <m:t> </m:t>
+                                    </m:r>
+                                    <m:r>
+                                      <m:rPr>
+                                        <m:nor/>
+                                      </m:rPr>
+                                      <a:rPr lang="da-DK" sz="1800" b="0" i="0" smtClean="0"/>
+                                      <m:t>k</m:t>
+                                    </m:r>
+                                    <m:r>
+                                      <m:rPr>
+                                        <m:nor/>
+                                      </m:rPr>
+                                      <a:rPr lang="da-DK" sz="1800" b="0" i="0" smtClean="0"/>
+                                      <m:t> = 0 </m:t>
+                                    </m:r>
+                                    <m:r>
+                                      <m:rPr>
+                                        <m:nor/>
+                                      </m:rPr>
+                                      <a:rPr lang="da-DK" sz="1800" b="0" i="0" smtClean="0"/>
+                                      <m:t>and</m:t>
+                                    </m:r>
+                                    <m:r>
+                                      <m:rPr>
+                                        <m:nor/>
+                                      </m:rPr>
+                                      <a:rPr lang="da-DK" sz="1800" b="0" i="0" smtClean="0"/>
+                                      <m:t> </m:t>
+                                    </m:r>
+                                    <m:r>
+                                      <m:rPr>
+                                        <m:nor/>
+                                      </m:rPr>
+                                      <a:rPr lang="da-DK" sz="1800" b="0" i="0" smtClean="0"/>
+                                      <m:t>v</m:t>
+                                    </m:r>
+                                    <m:r>
+                                      <m:rPr>
+                                        <m:nor/>
+                                      </m:rPr>
+                                      <a:rPr lang="da-DK" sz="1800" b="0" i="0" smtClean="0"/>
+                                      <m:t> ≠ 0</m:t>
+                                    </m:r>
+                                  </m:e>
+                                </m:eqArr>
+                              </m:e>
+                            </m:mr>
+                            <m:mr>
+                              <m:e>
+                                <m:r>
+                                  <m:rPr>
+                                    <m:nor/>
+                                  </m:rPr>
+                                  <a:rPr lang="da-DK" sz="1800" b="0" i="0" smtClean="0"/>
+                                  <m:t>S</m:t>
+                                </m:r>
+                                <m:d>
+                                  <m:dPr>
+                                    <m:ctrlPr>
+                                      <a:rPr lang="da-DK" sz="1800" b="0" i="1" smtClean="0">
+                                        <a:latin typeface="Cambria Math" panose="02040503050406030204" pitchFamily="18" charset="0"/>
+                                      </a:rPr>
+                                    </m:ctrlPr>
+                                  </m:dPr>
+                                  <m:e>
+                                    <m:r>
+                                      <m:rPr>
+                                        <m:nor/>
+                                      </m:rPr>
+                                      <a:rPr lang="da-DK" sz="1800" b="0" i="0" smtClean="0"/>
+                                      <m:t>v</m:t>
+                                    </m:r>
+                                    <m:r>
+                                      <m:rPr>
+                                        <m:nor/>
+                                      </m:rPr>
+                                      <a:rPr lang="da-DK" sz="1800" b="0" i="0" smtClean="0"/>
+                                      <m:t>, </m:t>
+                                    </m:r>
+                                    <m:r>
+                                      <m:rPr>
+                                        <m:nor/>
+                                      </m:rPr>
+                                      <a:rPr lang="da-DK" sz="1800" b="0" i="0" smtClean="0"/>
+                                      <m:t>k</m:t>
+                                    </m:r>
+                                    <m:r>
+                                      <m:rPr>
+                                        <m:nor/>
+                                      </m:rPr>
+                                      <a:rPr lang="da-DK" sz="1800" b="0" i="0" smtClean="0"/>
+                                      <m:t>−1</m:t>
+                                    </m:r>
+                                  </m:e>
+                                </m:d>
+                                <m:r>
+                                  <m:rPr>
+                                    <m:nor/>
+                                  </m:rPr>
+                                  <a:rPr lang="da-DK" sz="1800" b="0" i="0" smtClean="0"/>
+                                  <m:t>  </m:t>
+                                </m:r>
+                                <m:r>
+                                  <m:rPr>
+                                    <m:nor/>
+                                  </m:rPr>
+                                  <a:rPr lang="da-DK" sz="1800" b="0" i="0" smtClean="0"/>
+                                  <m:t>or</m:t>
+                                </m:r>
+                                <m:r>
+                                  <m:rPr>
+                                    <m:nor/>
+                                  </m:rPr>
+                                  <a:rPr lang="da-DK" sz="1800" b="0" i="0" smtClean="0"/>
+                                  <m:t>  </m:t>
+                                </m:r>
+                                <m:r>
+                                  <m:rPr>
+                                    <m:nor/>
+                                  </m:rPr>
+                                  <a:rPr lang="da-DK" sz="1800" b="0" i="0" smtClean="0"/>
+                                  <m:t>S</m:t>
+                                </m:r>
+                                <m:r>
+                                  <m:rPr>
+                                    <m:nor/>
+                                  </m:rPr>
+                                  <a:rPr lang="da-DK" sz="1800" b="0" i="0" smtClean="0"/>
+                                  <m:t>(</m:t>
+                                </m:r>
+                                <m:r>
+                                  <m:rPr>
+                                    <m:nor/>
+                                  </m:rPr>
+                                  <a:rPr lang="da-DK" sz="1800" b="0" i="0" smtClean="0"/>
+                                  <m:t>v</m:t>
+                                </m:r>
+                                <m:r>
+                                  <m:rPr>
+                                    <m:nor/>
+                                  </m:rPr>
+                                  <a:rPr lang="da-DK" sz="1800" b="0" i="0" smtClean="0"/>
+                                  <m:t> − </m:t>
+                                </m:r>
+                                <m:r>
+                                  <m:rPr>
+                                    <m:nor/>
+                                  </m:rPr>
+                                  <a:rPr lang="da-DK" sz="1800" b="0" i="0" smtClean="0">
+                                    <a:latin typeface="Courier New" panose="02070309020205020404" pitchFamily="49" charset="0"/>
+                                    <a:cs typeface="Courier New" panose="02070309020205020404" pitchFamily="49" charset="0"/>
+                                  </a:rPr>
+                                  <m:t>L</m:t>
+                                </m:r>
+                                <m:d>
+                                  <m:dPr>
+                                    <m:begChr m:val="["/>
+                                    <m:endChr m:val="]"/>
+                                    <m:ctrlPr>
+                                      <a:rPr lang="da-DK" sz="1800" b="0" i="1" smtClean="0">
+                                        <a:latin typeface="Cambria Math" panose="02040503050406030204" pitchFamily="18" charset="0"/>
+                                      </a:rPr>
+                                    </m:ctrlPr>
+                                  </m:dPr>
+                                  <m:e>
+                                    <m:r>
+                                      <m:rPr>
+                                        <m:nor/>
+                                      </m:rPr>
+                                      <a:rPr lang="da-DK" sz="1800" b="0" i="0" smtClean="0"/>
+                                      <m:t>k</m:t>
+                                    </m:r>
+                                    <m:r>
+                                      <m:rPr>
+                                        <m:nor/>
+                                      </m:rPr>
+                                      <a:rPr lang="da-DK" sz="1800" b="0" i="0" smtClean="0"/>
+                                      <m:t> − 1</m:t>
+                                    </m:r>
+                                  </m:e>
+                                </m:d>
+                                <m:r>
+                                  <m:rPr>
+                                    <m:nor/>
+                                  </m:rPr>
+                                  <a:rPr lang="da-DK" sz="1800" b="0" i="0" smtClean="0"/>
+                                  <m:t>, </m:t>
+                                </m:r>
+                                <m:r>
+                                  <m:rPr>
+                                    <m:nor/>
+                                  </m:rPr>
+                                  <a:rPr lang="da-DK" sz="1800" b="0" i="0" smtClean="0"/>
+                                  <m:t>k</m:t>
+                                </m:r>
+                                <m:r>
+                                  <m:rPr>
+                                    <m:nor/>
+                                  </m:rPr>
+                                  <a:rPr lang="da-DK" sz="1800" b="0" i="0" smtClean="0"/>
+                                  <m:t>−1)</m:t>
+                                </m:r>
+                              </m:e>
+                              <m:e>
+                                <m:r>
+                                  <m:rPr>
+                                    <m:nor/>
+                                  </m:rPr>
+                                  <a:rPr lang="da-DK" sz="1800" smtClean="0"/>
+                                  <m:t>otherwise</m:t>
+                                </m:r>
+                              </m:e>
+                            </m:mr>
+                          </m:m>
+                        </m:e>
+                      </m:d>
+                    </m:oMath>
+                  </m:oMathPara>
+                </a14:m>
+                <a:endParaRPr lang="da-DK" sz="1800" dirty="0"/>
+              </a:p>
+            </p:txBody>
+          </p:sp>
+        </mc:Choice>
+        <mc:Fallback>
+          <p:sp>
+            <p:nvSpPr>
+              <p:cNvPr id="3" name="Content Placeholder 2">
+                <a:extLst>
+                  <a:ext uri="{FF2B5EF4-FFF2-40B4-BE49-F238E27FC236}">
+                    <a16:creationId xmlns:a16="http://schemas.microsoft.com/office/drawing/2014/main" id="{7FD0A2BA-4BE1-F9C8-49AA-E28D5CC7684C}"/>
+                  </a:ext>
+                </a:extLst>
+              </p:cNvPr>
+              <p:cNvSpPr txBox="1">
+                <a:spLocks noRot="1" noChangeAspect="1" noMove="1" noResize="1" noEditPoints="1" noAdjustHandles="1" noChangeArrowheads="1" noChangeShapeType="1" noTextEdit="1"/>
+              </p:cNvSpPr>
+              <p:nvPr/>
+            </p:nvSpPr>
+            <p:spPr>
+              <a:xfrm>
+                <a:off x="5926237" y="5681077"/>
+                <a:ext cx="6132381" cy="1019725"/>
+              </a:xfrm>
+              <a:prstGeom prst="rect">
+                <a:avLst/>
+              </a:prstGeom>
+              <a:blipFill>
+                <a:blip r:embed="rId2"/>
+                <a:stretch>
+                  <a:fillRect/>
+                </a:stretch>
+              </a:blipFill>
+              <a:ln w="3175">
+                <a:solidFill>
+                  <a:schemeClr val="tx1"/>
+                </a:solidFill>
+              </a:ln>
+            </p:spPr>
+            <p:txBody>
+              <a:bodyPr/>
+              <a:lstStyle/>
+              <a:p>
+                <a:r>
+                  <a:rPr lang="en-US">
+                    <a:noFill/>
+                  </a:rPr>
+                  <a:t> </a:t>
+                </a:r>
+              </a:p>
+            </p:txBody>
+          </p:sp>
+        </mc:Fallback>
+      </mc:AlternateContent>
     </p:spTree>
     <p:extLst>
       <p:ext uri="{BB962C8B-B14F-4D97-AF65-F5344CB8AC3E}">
@@ -7355,13 +7892,13 @@
           <p:nvPr>
             <p:extLst>
               <p:ext uri="{D42A27DB-BD31-4B8C-83A1-F6EECF244321}">
-                <p14:modId xmlns:p14="http://schemas.microsoft.com/office/powerpoint/2010/main" val="764259525"/>
+                <p14:modId xmlns:p14="http://schemas.microsoft.com/office/powerpoint/2010/main" val="2730005600"/>
               </p:ext>
             </p:extLst>
           </p:nvPr>
         </p:nvGraphicFramePr>
         <p:xfrm>
-          <a:off x="699681" y="1554272"/>
+          <a:off x="600163" y="1375697"/>
           <a:ext cx="7009130" cy="4922520"/>
         </p:xfrm>
         <a:graphic>
@@ -29356,7 +29893,15 @@
             </a:r>
             <a:r>
               <a:rPr lang="da-DK" sz="2000" dirty="0"/>
-              <a:t> has problems </a:t>
+              <a:t> </a:t>
+            </a:r>
+            <a:r>
+              <a:rPr lang="da-DK" sz="2000" dirty="0" err="1"/>
+              <a:t>can</a:t>
+            </a:r>
+            <a:r>
+              <a:rPr lang="da-DK" sz="2000" dirty="0"/>
+              <a:t> have problems </a:t>
             </a:r>
             <a:r>
               <a:rPr lang="da-DK" sz="2000" dirty="0" err="1"/>
@@ -29411,8 +29956,8 @@
         </p:nvSpPr>
         <p:spPr>
           <a:xfrm>
-            <a:off x="5988699" y="6442619"/>
-            <a:ext cx="6203301" cy="369332"/>
+            <a:off x="6538529" y="6442619"/>
+            <a:ext cx="5653471" cy="369332"/>
           </a:xfrm>
           <a:prstGeom prst="rect">
             <a:avLst/>
@@ -29445,7 +29990,7 @@
                 </a:solidFill>
                 <a:hlinkClick r:id="rId3"/>
               </a:rPr>
-              <a:t>functools.html#functools.lru_cache</a:t>
+              <a:t>functools.html#functools.cache</a:t>
             </a:r>
             <a:endParaRPr lang="en-US" dirty="0">
               <a:solidFill>
@@ -29777,7 +30322,7 @@
         </p:blipFill>
         <p:spPr>
           <a:xfrm>
-            <a:off x="9479583" y="5936690"/>
+            <a:off x="9988466" y="5920788"/>
             <a:ext cx="506810" cy="421838"/>
           </a:xfrm>
           <a:prstGeom prst="rect">

--- a/ipsa/slides/dynamic_programming.pptx
+++ b/ipsa/slides/dynamic_programming.pptx
@@ -135,16 +135,38 @@
 </p:presentation>
 </file>
 
-<file path=ppt/revisionInfo.xml><?xml version="1.0" encoding="utf-8"?>
-<p1510:revInfo xmlns:a="http://schemas.openxmlformats.org/drawingml/2006/main" xmlns:r="http://schemas.openxmlformats.org/officeDocument/2006/relationships" xmlns:p1510="http://schemas.microsoft.com/office/powerpoint/2015/10/main">
-  <p1510:revLst>
-    <p1510:client id="{882796F6-D19C-46A6-B13D-50D31961200E}" v="5" dt="2025-03-12T19:44:48.535"/>
-  </p1510:revLst>
-</p1510:revInfo>
-</file>
-
 <file path=ppt/changesInfos/changesInfo1.xml><?xml version="1.0" encoding="utf-8"?>
 <pc:chgInfo xmlns:a="http://schemas.openxmlformats.org/drawingml/2006/main" xmlns:r="http://schemas.openxmlformats.org/officeDocument/2006/relationships" xmlns:ac="http://schemas.microsoft.com/office/drawing/2013/main/command" xmlns:pc="http://schemas.microsoft.com/office/powerpoint/2013/main/command">
+  <pc:docChgLst>
+    <pc:chgData name="Gerth Stølting Brodal" userId="04ef4784-6591-4f86-a140-f5c3b108582a" providerId="ADAL" clId="{EEFC9CB5-B621-4538-9B6B-9E706B2CA24E}"/>
+    <pc:docChg chg="modSld">
+      <pc:chgData name="Gerth Stølting Brodal" userId="04ef4784-6591-4f86-a140-f5c3b108582a" providerId="ADAL" clId="{EEFC9CB5-B621-4538-9B6B-9E706B2CA24E}" dt="2024-03-19T18:48:15.392" v="1" actId="20577"/>
+      <pc:docMkLst>
+        <pc:docMk/>
+      </pc:docMkLst>
+      <pc:sldChg chg="mod modShow">
+        <pc:chgData name="Gerth Stølting Brodal" userId="04ef4784-6591-4f86-a140-f5c3b108582a" providerId="ADAL" clId="{EEFC9CB5-B621-4538-9B6B-9E706B2CA24E}" dt="2024-03-19T18:25:37.158" v="0" actId="729"/>
+        <pc:sldMkLst>
+          <pc:docMk/>
+          <pc:sldMk cId="1347015518" sldId="762"/>
+        </pc:sldMkLst>
+      </pc:sldChg>
+      <pc:sldChg chg="mod modShow">
+        <pc:chgData name="Gerth Stølting Brodal" userId="04ef4784-6591-4f86-a140-f5c3b108582a" providerId="ADAL" clId="{EEFC9CB5-B621-4538-9B6B-9E706B2CA24E}" dt="2024-03-19T18:25:37.158" v="0" actId="729"/>
+        <pc:sldMkLst>
+          <pc:docMk/>
+          <pc:sldMk cId="1052038409" sldId="763"/>
+        </pc:sldMkLst>
+      </pc:sldChg>
+      <pc:sldChg chg="modSp modAnim">
+        <pc:chgData name="Gerth Stølting Brodal" userId="04ef4784-6591-4f86-a140-f5c3b108582a" providerId="ADAL" clId="{EEFC9CB5-B621-4538-9B6B-9E706B2CA24E}" dt="2024-03-19T18:48:15.392" v="1" actId="20577"/>
+        <pc:sldMkLst>
+          <pc:docMk/>
+          <pc:sldMk cId="2179044661" sldId="779"/>
+        </pc:sldMkLst>
+      </pc:sldChg>
+    </pc:docChg>
+  </pc:docChgLst>
   <pc:docChgLst>
     <pc:chgData name="Gerth Stølting Brodal" userId="04ef4784-6591-4f86-a140-f5c3b108582a" providerId="ADAL" clId="{5E934D0D-E0ED-440B-BCC3-3ABCA8CDCAB1}"/>
     <pc:docChg chg="modSld">
@@ -157,6 +179,68 @@
         <pc:sldMkLst>
           <pc:docMk/>
           <pc:sldMk cId="2137239356" sldId="775"/>
+        </pc:sldMkLst>
+      </pc:sldChg>
+    </pc:docChg>
+  </pc:docChgLst>
+  <pc:docChgLst>
+    <pc:chgData name="Gerth Stølting Brodal" userId="04ef4784-6591-4f86-a140-f5c3b108582a" providerId="ADAL" clId="{E6D98D54-2BE6-45FC-8353-A1E0922E1443}"/>
+    <pc:docChg chg="custSel modSld">
+      <pc:chgData name="Gerth Stølting Brodal" userId="04ef4784-6591-4f86-a140-f5c3b108582a" providerId="ADAL" clId="{E6D98D54-2BE6-45FC-8353-A1E0922E1443}" dt="2021-04-16T09:00:18.763" v="196" actId="20577"/>
+      <pc:docMkLst>
+        <pc:docMk/>
+      </pc:docMkLst>
+      <pc:sldChg chg="addSp delSp modSp mod modNotesTx">
+        <pc:chgData name="Gerth Stølting Brodal" userId="04ef4784-6591-4f86-a140-f5c3b108582a" providerId="ADAL" clId="{E6D98D54-2BE6-45FC-8353-A1E0922E1443}" dt="2021-04-16T09:00:18.763" v="196" actId="20577"/>
+        <pc:sldMkLst>
+          <pc:docMk/>
+          <pc:sldMk cId="1651261074" sldId="768"/>
+        </pc:sldMkLst>
+      </pc:sldChg>
+    </pc:docChg>
+  </pc:docChgLst>
+  <pc:docChgLst>
+    <pc:chgData name="Gerth Stølting Brodal" userId="04ef4784-6591-4f86-a140-f5c3b108582a" providerId="ADAL" clId="{231CD4DA-6602-4AAE-A1EC-6809FECBDBA5}"/>
+    <pc:docChg chg="undo custSel modSld">
+      <pc:chgData name="Gerth Stølting Brodal" userId="04ef4784-6591-4f86-a140-f5c3b108582a" providerId="ADAL" clId="{231CD4DA-6602-4AAE-A1EC-6809FECBDBA5}" dt="2024-11-28T00:10:08.200" v="304" actId="20577"/>
+      <pc:docMkLst>
+        <pc:docMk/>
+      </pc:docMkLst>
+      <pc:sldChg chg="addSp modSp mod modAnim modNotesTx">
+        <pc:chgData name="Gerth Stølting Brodal" userId="04ef4784-6591-4f86-a140-f5c3b108582a" providerId="ADAL" clId="{231CD4DA-6602-4AAE-A1EC-6809FECBDBA5}" dt="2024-11-28T00:10:08.200" v="304" actId="20577"/>
+        <pc:sldMkLst>
+          <pc:docMk/>
+          <pc:sldMk cId="1651261074" sldId="768"/>
+        </pc:sldMkLst>
+      </pc:sldChg>
+    </pc:docChg>
+  </pc:docChgLst>
+  <pc:docChgLst>
+    <pc:chgData name="Gerth Stølting Brodal" userId="04ef4784-6591-4f86-a140-f5c3b108582a" providerId="ADAL" clId="{882796F6-D19C-46A6-B13D-50D31961200E}"/>
+    <pc:docChg chg="custSel modSld">
+      <pc:chgData name="Gerth Stølting Brodal" userId="04ef4784-6591-4f86-a140-f5c3b108582a" providerId="ADAL" clId="{882796F6-D19C-46A6-B13D-50D31961200E}" dt="2025-03-12T19:48:12.704" v="30" actId="478"/>
+      <pc:docMkLst>
+        <pc:docMk/>
+      </pc:docMkLst>
+      <pc:sldChg chg="modSp mod">
+        <pc:chgData name="Gerth Stølting Brodal" userId="04ef4784-6591-4f86-a140-f5c3b108582a" providerId="ADAL" clId="{882796F6-D19C-46A6-B13D-50D31961200E}" dt="2025-03-12T19:32:39.195" v="11" actId="20577"/>
+        <pc:sldMkLst>
+          <pc:docMk/>
+          <pc:sldMk cId="1651261074" sldId="768"/>
+        </pc:sldMkLst>
+      </pc:sldChg>
+      <pc:sldChg chg="addSp modSp mod">
+        <pc:chgData name="Gerth Stølting Brodal" userId="04ef4784-6591-4f86-a140-f5c3b108582a" providerId="ADAL" clId="{882796F6-D19C-46A6-B13D-50D31961200E}" dt="2025-03-12T19:38:41.889" v="26" actId="1582"/>
+        <pc:sldMkLst>
+          <pc:docMk/>
+          <pc:sldMk cId="2693492495" sldId="770"/>
+        </pc:sldMkLst>
+      </pc:sldChg>
+      <pc:sldChg chg="addSp delSp modSp mod">
+        <pc:chgData name="Gerth Stølting Brodal" userId="04ef4784-6591-4f86-a140-f5c3b108582a" providerId="ADAL" clId="{882796F6-D19C-46A6-B13D-50D31961200E}" dt="2025-03-12T19:48:12.704" v="30" actId="478"/>
+        <pc:sldMkLst>
+          <pc:docMk/>
+          <pc:sldMk cId="3735983945" sldId="772"/>
         </pc:sldMkLst>
       </pc:sldChg>
     </pc:docChg>
@@ -241,48 +325,49 @@
     </pc:docChg>
   </pc:docChgLst>
   <pc:docChgLst>
-    <pc:chgData name="Gerth Stølting Brodal" userId="04ef4784-6591-4f86-a140-f5c3b108582a" providerId="ADAL" clId="{E6D98D54-2BE6-45FC-8353-A1E0922E1443}"/>
-    <pc:docChg chg="custSel modSld">
-      <pc:chgData name="Gerth Stølting Brodal" userId="04ef4784-6591-4f86-a140-f5c3b108582a" providerId="ADAL" clId="{E6D98D54-2BE6-45FC-8353-A1E0922E1443}" dt="2021-04-16T09:00:18.763" v="196" actId="20577"/>
+    <pc:chgData name="Gerth Stølting Brodal" userId="04ef4784-6591-4f86-a140-f5c3b108582a" providerId="ADAL" clId="{27124F44-A0F7-408A-AA2B-2C5136C1DC06}"/>
+    <pc:docChg chg="modSld">
+      <pc:chgData name="Gerth Stølting Brodal" userId="04ef4784-6591-4f86-a140-f5c3b108582a" providerId="ADAL" clId="{27124F44-A0F7-408A-AA2B-2C5136C1DC06}" dt="2025-10-27T18:34:06.831" v="5" actId="962"/>
       <pc:docMkLst>
         <pc:docMk/>
       </pc:docMkLst>
-      <pc:sldChg chg="addSp delSp modSp mod modNotesTx">
-        <pc:chgData name="Gerth Stølting Brodal" userId="04ef4784-6591-4f86-a140-f5c3b108582a" providerId="ADAL" clId="{E6D98D54-2BE6-45FC-8353-A1E0922E1443}" dt="2021-04-16T09:00:18.763" v="196" actId="20577"/>
+      <pc:sldChg chg="modSp mod">
+        <pc:chgData name="Gerth Stølting Brodal" userId="04ef4784-6591-4f86-a140-f5c3b108582a" providerId="ADAL" clId="{27124F44-A0F7-408A-AA2B-2C5136C1DC06}" dt="2025-10-27T18:33:55.103" v="1" actId="962"/>
         <pc:sldMkLst>
           <pc:docMk/>
-          <pc:sldMk cId="1651261074" sldId="768"/>
+          <pc:sldMk cId="406105154" sldId="765"/>
         </pc:sldMkLst>
+        <pc:spChg chg="mod">
+          <ac:chgData name="Gerth Stølting Brodal" userId="04ef4784-6591-4f86-a140-f5c3b108582a" providerId="ADAL" clId="{27124F44-A0F7-408A-AA2B-2C5136C1DC06}" dt="2025-10-27T18:33:55.103" v="1" actId="962"/>
+          <ac:spMkLst>
+            <pc:docMk/>
+            <pc:sldMk cId="406105154" sldId="765"/>
+            <ac:spMk id="4" creationId="{00000000-0000-0000-0000-000000000000}"/>
+          </ac:spMkLst>
+        </pc:spChg>
       </pc:sldChg>
-    </pc:docChg>
-  </pc:docChgLst>
-  <pc:docChgLst>
-    <pc:chgData name="Gerth Stølting Brodal" userId="04ef4784-6591-4f86-a140-f5c3b108582a" providerId="ADAL" clId="{EEFC9CB5-B621-4538-9B6B-9E706B2CA24E}"/>
-    <pc:docChg chg="modSld">
-      <pc:chgData name="Gerth Stølting Brodal" userId="04ef4784-6591-4f86-a140-f5c3b108582a" providerId="ADAL" clId="{EEFC9CB5-B621-4538-9B6B-9E706B2CA24E}" dt="2024-03-19T18:48:15.392" v="1" actId="20577"/>
-      <pc:docMkLst>
-        <pc:docMk/>
-      </pc:docMkLst>
-      <pc:sldChg chg="mod modShow">
-        <pc:chgData name="Gerth Stølting Brodal" userId="04ef4784-6591-4f86-a140-f5c3b108582a" providerId="ADAL" clId="{EEFC9CB5-B621-4538-9B6B-9E706B2CA24E}" dt="2024-03-19T18:25:37.158" v="0" actId="729"/>
+      <pc:sldChg chg="modSp mod">
+        <pc:chgData name="Gerth Stølting Brodal" userId="04ef4784-6591-4f86-a140-f5c3b108582a" providerId="ADAL" clId="{27124F44-A0F7-408A-AA2B-2C5136C1DC06}" dt="2025-10-27T18:34:06.831" v="5" actId="962"/>
         <pc:sldMkLst>
           <pc:docMk/>
-          <pc:sldMk cId="1347015518" sldId="762"/>
+          <pc:sldMk cId="3142937555" sldId="771"/>
         </pc:sldMkLst>
-      </pc:sldChg>
-      <pc:sldChg chg="mod modShow">
-        <pc:chgData name="Gerth Stølting Brodal" userId="04ef4784-6591-4f86-a140-f5c3b108582a" providerId="ADAL" clId="{EEFC9CB5-B621-4538-9B6B-9E706B2CA24E}" dt="2024-03-19T18:25:37.158" v="0" actId="729"/>
-        <pc:sldMkLst>
-          <pc:docMk/>
-          <pc:sldMk cId="1052038409" sldId="763"/>
-        </pc:sldMkLst>
-      </pc:sldChg>
-      <pc:sldChg chg="modSp modAnim">
-        <pc:chgData name="Gerth Stølting Brodal" userId="04ef4784-6591-4f86-a140-f5c3b108582a" providerId="ADAL" clId="{EEFC9CB5-B621-4538-9B6B-9E706B2CA24E}" dt="2024-03-19T18:48:15.392" v="1" actId="20577"/>
-        <pc:sldMkLst>
-          <pc:docMk/>
-          <pc:sldMk cId="2179044661" sldId="779"/>
-        </pc:sldMkLst>
+        <pc:spChg chg="mod">
+          <ac:chgData name="Gerth Stølting Brodal" userId="04ef4784-6591-4f86-a140-f5c3b108582a" providerId="ADAL" clId="{27124F44-A0F7-408A-AA2B-2C5136C1DC06}" dt="2025-10-27T18:34:04.271" v="3" actId="962"/>
+          <ac:spMkLst>
+            <pc:docMk/>
+            <pc:sldMk cId="3142937555" sldId="771"/>
+            <ac:spMk id="5" creationId="{00000000-0000-0000-0000-000000000000}"/>
+          </ac:spMkLst>
+        </pc:spChg>
+        <pc:spChg chg="mod">
+          <ac:chgData name="Gerth Stølting Brodal" userId="04ef4784-6591-4f86-a140-f5c3b108582a" providerId="ADAL" clId="{27124F44-A0F7-408A-AA2B-2C5136C1DC06}" dt="2025-10-27T18:34:06.831" v="5" actId="962"/>
+          <ac:spMkLst>
+            <pc:docMk/>
+            <pc:sldMk cId="3142937555" sldId="771"/>
+            <ac:spMk id="6" creationId="{00000000-0000-0000-0000-000000000000}"/>
+          </ac:spMkLst>
+        </pc:spChg>
       </pc:sldChg>
     </pc:docChg>
   </pc:docChgLst>
@@ -327,108 +412,6 @@
           <pc:docMk/>
           <pc:sldMk cId="2489620528" sldId="773"/>
         </pc:sldMkLst>
-      </pc:sldChg>
-    </pc:docChg>
-  </pc:docChgLst>
-  <pc:docChgLst>
-    <pc:chgData name="Gerth Stølting Brodal" userId="04ef4784-6591-4f86-a140-f5c3b108582a" providerId="ADAL" clId="{231CD4DA-6602-4AAE-A1EC-6809FECBDBA5}"/>
-    <pc:docChg chg="undo custSel modSld">
-      <pc:chgData name="Gerth Stølting Brodal" userId="04ef4784-6591-4f86-a140-f5c3b108582a" providerId="ADAL" clId="{231CD4DA-6602-4AAE-A1EC-6809FECBDBA5}" dt="2024-11-28T00:10:08.200" v="304" actId="20577"/>
-      <pc:docMkLst>
-        <pc:docMk/>
-      </pc:docMkLst>
-      <pc:sldChg chg="addSp modSp mod modAnim modNotesTx">
-        <pc:chgData name="Gerth Stølting Brodal" userId="04ef4784-6591-4f86-a140-f5c3b108582a" providerId="ADAL" clId="{231CD4DA-6602-4AAE-A1EC-6809FECBDBA5}" dt="2024-11-28T00:10:08.200" v="304" actId="20577"/>
-        <pc:sldMkLst>
-          <pc:docMk/>
-          <pc:sldMk cId="1651261074" sldId="768"/>
-        </pc:sldMkLst>
-      </pc:sldChg>
-    </pc:docChg>
-  </pc:docChgLst>
-  <pc:docChgLst>
-    <pc:chgData name="Gerth Stølting Brodal" userId="04ef4784-6591-4f86-a140-f5c3b108582a" providerId="ADAL" clId="{882796F6-D19C-46A6-B13D-50D31961200E}"/>
-    <pc:docChg chg="custSel modSld">
-      <pc:chgData name="Gerth Stølting Brodal" userId="04ef4784-6591-4f86-a140-f5c3b108582a" providerId="ADAL" clId="{882796F6-D19C-46A6-B13D-50D31961200E}" dt="2025-03-12T19:48:12.704" v="30" actId="478"/>
-      <pc:docMkLst>
-        <pc:docMk/>
-      </pc:docMkLst>
-      <pc:sldChg chg="modSp mod">
-        <pc:chgData name="Gerth Stølting Brodal" userId="04ef4784-6591-4f86-a140-f5c3b108582a" providerId="ADAL" clId="{882796F6-D19C-46A6-B13D-50D31961200E}" dt="2025-03-12T19:32:39.195" v="11" actId="20577"/>
-        <pc:sldMkLst>
-          <pc:docMk/>
-          <pc:sldMk cId="1651261074" sldId="768"/>
-        </pc:sldMkLst>
-        <pc:spChg chg="mod">
-          <ac:chgData name="Gerth Stølting Brodal" userId="04ef4784-6591-4f86-a140-f5c3b108582a" providerId="ADAL" clId="{882796F6-D19C-46A6-B13D-50D31961200E}" dt="2025-03-12T19:31:53.248" v="6" actId="20577"/>
-          <ac:spMkLst>
-            <pc:docMk/>
-            <pc:sldMk cId="1651261074" sldId="768"/>
-            <ac:spMk id="3" creationId="{00000000-0000-0000-0000-000000000000}"/>
-          </ac:spMkLst>
-        </pc:spChg>
-        <pc:spChg chg="mod">
-          <ac:chgData name="Gerth Stølting Brodal" userId="04ef4784-6591-4f86-a140-f5c3b108582a" providerId="ADAL" clId="{882796F6-D19C-46A6-B13D-50D31961200E}" dt="2025-03-12T19:32:39.195" v="11" actId="20577"/>
-          <ac:spMkLst>
-            <pc:docMk/>
-            <pc:sldMk cId="1651261074" sldId="768"/>
-            <ac:spMk id="4" creationId="{00000000-0000-0000-0000-000000000000}"/>
-          </ac:spMkLst>
-        </pc:spChg>
-        <pc:picChg chg="mod">
-          <ac:chgData name="Gerth Stølting Brodal" userId="04ef4784-6591-4f86-a140-f5c3b108582a" providerId="ADAL" clId="{882796F6-D19C-46A6-B13D-50D31961200E}" dt="2025-03-12T19:31:59.667" v="7" actId="1076"/>
-          <ac:picMkLst>
-            <pc:docMk/>
-            <pc:sldMk cId="1651261074" sldId="768"/>
-            <ac:picMk id="6" creationId="{3E906D07-6105-2BBB-7212-A41BC8F2DD55}"/>
-          </ac:picMkLst>
-        </pc:picChg>
-      </pc:sldChg>
-      <pc:sldChg chg="addSp modSp mod">
-        <pc:chgData name="Gerth Stølting Brodal" userId="04ef4784-6591-4f86-a140-f5c3b108582a" providerId="ADAL" clId="{882796F6-D19C-46A6-B13D-50D31961200E}" dt="2025-03-12T19:38:41.889" v="26" actId="1582"/>
-        <pc:sldMkLst>
-          <pc:docMk/>
-          <pc:sldMk cId="2693492495" sldId="770"/>
-        </pc:sldMkLst>
-        <pc:spChg chg="add mod">
-          <ac:chgData name="Gerth Stølting Brodal" userId="04ef4784-6591-4f86-a140-f5c3b108582a" providerId="ADAL" clId="{882796F6-D19C-46A6-B13D-50D31961200E}" dt="2025-03-12T19:38:41.889" v="26" actId="1582"/>
-          <ac:spMkLst>
-            <pc:docMk/>
-            <pc:sldMk cId="2693492495" sldId="770"/>
-            <ac:spMk id="3" creationId="{7FD0A2BA-4BE1-F9C8-49AA-E28D5CC7684C}"/>
-          </ac:spMkLst>
-        </pc:spChg>
-        <pc:graphicFrameChg chg="mod">
-          <ac:chgData name="Gerth Stølting Brodal" userId="04ef4784-6591-4f86-a140-f5c3b108582a" providerId="ADAL" clId="{882796F6-D19C-46A6-B13D-50D31961200E}" dt="2025-03-12T19:38:11.218" v="24" actId="1035"/>
-          <ac:graphicFrameMkLst>
-            <pc:docMk/>
-            <pc:sldMk cId="2693492495" sldId="770"/>
-            <ac:graphicFrameMk id="5" creationId="{00000000-0000-0000-0000-000000000000}"/>
-          </ac:graphicFrameMkLst>
-        </pc:graphicFrameChg>
-      </pc:sldChg>
-      <pc:sldChg chg="addSp delSp modSp mod">
-        <pc:chgData name="Gerth Stølting Brodal" userId="04ef4784-6591-4f86-a140-f5c3b108582a" providerId="ADAL" clId="{882796F6-D19C-46A6-B13D-50D31961200E}" dt="2025-03-12T19:48:12.704" v="30" actId="478"/>
-        <pc:sldMkLst>
-          <pc:docMk/>
-          <pc:sldMk cId="3735983945" sldId="772"/>
-        </pc:sldMkLst>
-        <pc:spChg chg="add del mod">
-          <ac:chgData name="Gerth Stølting Brodal" userId="04ef4784-6591-4f86-a140-f5c3b108582a" providerId="ADAL" clId="{882796F6-D19C-46A6-B13D-50D31961200E}" dt="2025-03-12T19:48:12.704" v="30" actId="478"/>
-          <ac:spMkLst>
-            <pc:docMk/>
-            <pc:sldMk cId="3735983945" sldId="772"/>
-            <ac:spMk id="3" creationId="{6BD12356-5854-37F6-5EAC-566C037A1D64}"/>
-          </ac:spMkLst>
-        </pc:spChg>
-        <pc:graphicFrameChg chg="mod">
-          <ac:chgData name="Gerth Stølting Brodal" userId="04ef4784-6591-4f86-a140-f5c3b108582a" providerId="ADAL" clId="{882796F6-D19C-46A6-B13D-50D31961200E}" dt="2025-03-12T19:44:59.384" v="29" actId="1076"/>
-          <ac:graphicFrameMkLst>
-            <pc:docMk/>
-            <pc:sldMk cId="3735983945" sldId="772"/>
-            <ac:graphicFrameMk id="5" creationId="{00000000-0000-0000-0000-000000000000}"/>
-          </ac:graphicFrameMkLst>
-        </pc:graphicFrameChg>
       </pc:sldChg>
     </pc:docChg>
   </pc:docChgLst>
@@ -517,7 +500,7 @@
           <a:p>
             <a:fld id="{FB1A172F-81D4-4DC4-9113-1DBD56EC3646}" type="datetimeFigureOut">
               <a:rPr lang="en-US" smtClean="0"/>
-              <a:t>3/12/2025</a:t>
+              <a:t>10/27/2025</a:t>
             </a:fld>
             <a:endParaRPr lang="en-US"/>
           </a:p>
@@ -2223,7 +2206,7 @@
           <a:p>
             <a:fld id="{0560A9CD-0304-4E0B-9E82-E7E0115DE05B}" type="datetimeFigureOut">
               <a:rPr lang="en-US" smtClean="0"/>
-              <a:t>3/12/2025</a:t>
+              <a:t>10/27/2025</a:t>
             </a:fld>
             <a:endParaRPr lang="en-US"/>
           </a:p>
@@ -2391,7 +2374,7 @@
           <a:p>
             <a:fld id="{0560A9CD-0304-4E0B-9E82-E7E0115DE05B}" type="datetimeFigureOut">
               <a:rPr lang="en-US" smtClean="0"/>
-              <a:t>3/12/2025</a:t>
+              <a:t>10/27/2025</a:t>
             </a:fld>
             <a:endParaRPr lang="en-US"/>
           </a:p>
@@ -2569,7 +2552,7 @@
           <a:p>
             <a:fld id="{0560A9CD-0304-4E0B-9E82-E7E0115DE05B}" type="datetimeFigureOut">
               <a:rPr lang="en-US" smtClean="0"/>
-              <a:t>3/12/2025</a:t>
+              <a:t>10/27/2025</a:t>
             </a:fld>
             <a:endParaRPr lang="en-US"/>
           </a:p>
@@ -2752,7 +2735,7 @@
           <a:p>
             <a:fld id="{0560A9CD-0304-4E0B-9E82-E7E0115DE05B}" type="datetimeFigureOut">
               <a:rPr lang="en-US" smtClean="0"/>
-              <a:t>3/12/2025</a:t>
+              <a:t>10/27/2025</a:t>
             </a:fld>
             <a:endParaRPr lang="en-US"/>
           </a:p>
@@ -2997,7 +2980,7 @@
           <a:p>
             <a:fld id="{0560A9CD-0304-4E0B-9E82-E7E0115DE05B}" type="datetimeFigureOut">
               <a:rPr lang="en-US" smtClean="0"/>
-              <a:t>3/12/2025</a:t>
+              <a:t>10/27/2025</a:t>
             </a:fld>
             <a:endParaRPr lang="en-US"/>
           </a:p>
@@ -3226,7 +3209,7 @@
           <a:p>
             <a:fld id="{0560A9CD-0304-4E0B-9E82-E7E0115DE05B}" type="datetimeFigureOut">
               <a:rPr lang="en-US" smtClean="0"/>
-              <a:t>3/12/2025</a:t>
+              <a:t>10/27/2025</a:t>
             </a:fld>
             <a:endParaRPr lang="en-US"/>
           </a:p>
@@ -3590,7 +3573,7 @@
           <a:p>
             <a:fld id="{0560A9CD-0304-4E0B-9E82-E7E0115DE05B}" type="datetimeFigureOut">
               <a:rPr lang="en-US" smtClean="0"/>
-              <a:t>3/12/2025</a:t>
+              <a:t>10/27/2025</a:t>
             </a:fld>
             <a:endParaRPr lang="en-US"/>
           </a:p>
@@ -3707,7 +3690,7 @@
           <a:p>
             <a:fld id="{0560A9CD-0304-4E0B-9E82-E7E0115DE05B}" type="datetimeFigureOut">
               <a:rPr lang="en-US" smtClean="0"/>
-              <a:t>3/12/2025</a:t>
+              <a:t>10/27/2025</a:t>
             </a:fld>
             <a:endParaRPr lang="en-US"/>
           </a:p>
@@ -3802,7 +3785,7 @@
           <a:p>
             <a:fld id="{0560A9CD-0304-4E0B-9E82-E7E0115DE05B}" type="datetimeFigureOut">
               <a:rPr lang="en-US" smtClean="0"/>
-              <a:t>3/12/2025</a:t>
+              <a:t>10/27/2025</a:t>
             </a:fld>
             <a:endParaRPr lang="en-US"/>
           </a:p>
@@ -4077,7 +4060,7 @@
           <a:p>
             <a:fld id="{0560A9CD-0304-4E0B-9E82-E7E0115DE05B}" type="datetimeFigureOut">
               <a:rPr lang="en-US" smtClean="0"/>
-              <a:t>3/12/2025</a:t>
+              <a:t>10/27/2025</a:t>
             </a:fld>
             <a:endParaRPr lang="en-US"/>
           </a:p>
@@ -4329,7 +4312,7 @@
           <a:p>
             <a:fld id="{0560A9CD-0304-4E0B-9E82-E7E0115DE05B}" type="datetimeFigureOut">
               <a:rPr lang="en-US" smtClean="0"/>
-              <a:t>3/12/2025</a:t>
+              <a:t>10/27/2025</a:t>
             </a:fld>
             <a:endParaRPr lang="en-US"/>
           </a:p>
@@ -4540,7 +4523,7 @@
           <a:p>
             <a:fld id="{0560A9CD-0304-4E0B-9E82-E7E0115DE05B}" type="datetimeFigureOut">
               <a:rPr lang="en-US" smtClean="0"/>
-              <a:t>3/12/2025</a:t>
+              <a:t>10/27/2025</a:t>
             </a:fld>
             <a:endParaRPr lang="en-US"/>
           </a:p>
@@ -5845,8 +5828,8 @@
           </a:graphicData>
         </a:graphic>
       </p:graphicFrame>
-      <mc:AlternateContent xmlns:mc="http://schemas.openxmlformats.org/markup-compatibility/2006">
-        <mc:Choice xmlns:a14="http://schemas.microsoft.com/office/drawing/2010/main" Requires="a14">
+      <mc:AlternateContent xmlns:mc="http://schemas.openxmlformats.org/markup-compatibility/2006" xmlns:a14="http://schemas.microsoft.com/office/drawing/2010/main">
+        <mc:Choice Requires="a14">
           <p:sp>
             <p:nvSpPr>
               <p:cNvPr id="3" name="Content Placeholder 2">
@@ -6478,7 +6461,7 @@
             </p:txBody>
           </p:sp>
         </mc:Choice>
-        <mc:Fallback>
+        <mc:Fallback xmlns="">
           <p:sp>
             <p:nvSpPr>
               <p:cNvPr id="3" name="Content Placeholder 2">
@@ -7575,7 +7558,7 @@
       </p:graphicFrame>
       <p:sp>
         <p:nvSpPr>
-          <p:cNvPr id="5" name="Smiley Face 4"/>
+          <p:cNvPr id="5" name="Smiley Face 4" descr="QuizAnswer"/>
           <p:cNvSpPr/>
           <p:nvPr/>
         </p:nvSpPr>
@@ -7628,7 +7611,7 @@
       </p:sp>
       <p:sp>
         <p:nvSpPr>
-          <p:cNvPr id="6" name="Smiley Face 5"/>
+          <p:cNvPr id="6" name="Smiley Face 5" descr="QuizAnswer"/>
           <p:cNvSpPr/>
           <p:nvPr/>
         </p:nvSpPr>
@@ -24967,7 +24950,7 @@
       </p:sp>
       <p:sp>
         <p:nvSpPr>
-          <p:cNvPr id="4" name="Smiley Face 3"/>
+          <p:cNvPr id="4" name="Smiley Face 3" descr="QuizAnswer"/>
           <p:cNvSpPr/>
           <p:nvPr/>
         </p:nvSpPr>
